--- a/lectures/4-Measurement.pptx
+++ b/lectures/4-Measurement.pptx
@@ -9236,26 +9236,9 @@
           <a:lstStyle/>
           <a:p>
             <a:r>
-              <a:rPr lang="en"/>
-              <a:t>Encore Doesn’t </a:t>
-            </a:r>
-            <a:r>
               <a:rPr lang="en" dirty="0"/>
-              <a:t>N</a:t>
-            </a:r>
-            <a:r>
-              <a:rPr lang="en"/>
-              <a:t>eed to Read </a:t>
-            </a:r>
-            <a:r>
-              <a:rPr lang="en" dirty="0"/>
-              <a:t>D</a:t>
-            </a:r>
-            <a:r>
-              <a:rPr lang="en"/>
-              <a:t>ata</a:t>
-            </a:r>
-            <a:endParaRPr lang="en" dirty="0"/>
+              <a:t>Encore Doesn’t Need to Read Data</a:t>
+            </a:r>
           </a:p>
         </p:txBody>
       </p:sp>

--- a/lectures/4-Measurement.pptx
+++ b/lectures/4-Measurement.pptx
@@ -5,44 +5,49 @@
     <p:sldMasterId id="2147483648" r:id="rId1"/>
   </p:sldMasterIdLst>
   <p:notesMasterIdLst>
-    <p:notesMasterId r:id="rId37"/>
+    <p:notesMasterId r:id="rId42"/>
   </p:notesMasterIdLst>
   <p:sldIdLst>
     <p:sldId id="256" r:id="rId2"/>
-    <p:sldId id="383" r:id="rId3"/>
+    <p:sldId id="395" r:id="rId3"/>
     <p:sldId id="392" r:id="rId4"/>
     <p:sldId id="384" r:id="rId5"/>
     <p:sldId id="265" r:id="rId6"/>
-    <p:sldId id="382" r:id="rId7"/>
-    <p:sldId id="311" r:id="rId8"/>
-    <p:sldId id="312" r:id="rId9"/>
-    <p:sldId id="313" r:id="rId10"/>
-    <p:sldId id="314" r:id="rId11"/>
-    <p:sldId id="315" r:id="rId12"/>
-    <p:sldId id="282" r:id="rId13"/>
-    <p:sldId id="365" r:id="rId14"/>
-    <p:sldId id="371" r:id="rId15"/>
-    <p:sldId id="373" r:id="rId16"/>
-    <p:sldId id="374" r:id="rId17"/>
-    <p:sldId id="381" r:id="rId18"/>
-    <p:sldId id="380" r:id="rId19"/>
-    <p:sldId id="376" r:id="rId20"/>
-    <p:sldId id="377" r:id="rId21"/>
-    <p:sldId id="375" r:id="rId22"/>
-    <p:sldId id="393" r:id="rId23"/>
-    <p:sldId id="267" r:id="rId24"/>
-    <p:sldId id="268" r:id="rId25"/>
-    <p:sldId id="269" r:id="rId26"/>
-    <p:sldId id="394" r:id="rId27"/>
-    <p:sldId id="281" r:id="rId28"/>
-    <p:sldId id="258" r:id="rId29"/>
-    <p:sldId id="259" r:id="rId30"/>
-    <p:sldId id="260" r:id="rId31"/>
-    <p:sldId id="276" r:id="rId32"/>
-    <p:sldId id="277" r:id="rId33"/>
-    <p:sldId id="278" r:id="rId34"/>
-    <p:sldId id="279" r:id="rId35"/>
-    <p:sldId id="280" r:id="rId36"/>
+    <p:sldId id="402" r:id="rId7"/>
+    <p:sldId id="404" r:id="rId8"/>
+    <p:sldId id="403" r:id="rId9"/>
+    <p:sldId id="400" r:id="rId10"/>
+    <p:sldId id="396" r:id="rId11"/>
+    <p:sldId id="311" r:id="rId12"/>
+    <p:sldId id="312" r:id="rId13"/>
+    <p:sldId id="313" r:id="rId14"/>
+    <p:sldId id="314" r:id="rId15"/>
+    <p:sldId id="315" r:id="rId16"/>
+    <p:sldId id="401" r:id="rId17"/>
+    <p:sldId id="397" r:id="rId18"/>
+    <p:sldId id="365" r:id="rId19"/>
+    <p:sldId id="371" r:id="rId20"/>
+    <p:sldId id="373" r:id="rId21"/>
+    <p:sldId id="374" r:id="rId22"/>
+    <p:sldId id="381" r:id="rId23"/>
+    <p:sldId id="380" r:id="rId24"/>
+    <p:sldId id="376" r:id="rId25"/>
+    <p:sldId id="377" r:id="rId26"/>
+    <p:sldId id="375" r:id="rId27"/>
+    <p:sldId id="398" r:id="rId28"/>
+    <p:sldId id="267" r:id="rId29"/>
+    <p:sldId id="268" r:id="rId30"/>
+    <p:sldId id="269" r:id="rId31"/>
+    <p:sldId id="394" r:id="rId32"/>
+    <p:sldId id="399" r:id="rId33"/>
+    <p:sldId id="258" r:id="rId34"/>
+    <p:sldId id="259" r:id="rId35"/>
+    <p:sldId id="260" r:id="rId36"/>
+    <p:sldId id="276" r:id="rId37"/>
+    <p:sldId id="277" r:id="rId38"/>
+    <p:sldId id="278" r:id="rId39"/>
+    <p:sldId id="279" r:id="rId40"/>
+    <p:sldId id="280" r:id="rId41"/>
   </p:sldIdLst>
   <p:sldSz cx="12192000" cy="6858000"/>
   <p:notesSz cx="6858000" cy="9144000"/>
@@ -231,7 +236,7 @@
           <a:p>
             <a:fld id="{CEDAEFA1-2302-CF41-B3D2-D7622FF3D015}" type="datetimeFigureOut">
               <a:rPr lang="en-US" smtClean="0"/>
-              <a:t>1/27/20</a:t>
+              <a:t>2/2/21</a:t>
             </a:fld>
             <a:endParaRPr lang="en-US"/>
           </a:p>
@@ -614,6 +619,104 @@
 </file>
 
 <file path=ppt/notesSlides/notesSlide10.xml><?xml version="1.0" encoding="utf-8"?>
+<p:notes xmlns:a="http://schemas.openxmlformats.org/drawingml/2006/main" xmlns:r="http://schemas.openxmlformats.org/officeDocument/2006/relationships" xmlns:p="http://schemas.openxmlformats.org/presentationml/2006/main">
+  <p:cSld>
+    <p:spTree>
+      <p:nvGrpSpPr>
+        <p:cNvPr id="1" name=""/>
+        <p:cNvGrpSpPr/>
+        <p:nvPr/>
+      </p:nvGrpSpPr>
+      <p:grpSpPr>
+        <a:xfrm>
+          <a:off x="0" y="0"/>
+          <a:ext cx="0" cy="0"/>
+          <a:chOff x="0" y="0"/>
+          <a:chExt cx="0" cy="0"/>
+        </a:xfrm>
+      </p:grpSpPr>
+      <p:sp>
+        <p:nvSpPr>
+          <p:cNvPr id="2" name="Slide Image Placeholder 1"/>
+          <p:cNvSpPr>
+            <a:spLocks noGrp="1" noRot="1" noChangeAspect="1"/>
+          </p:cNvSpPr>
+          <p:nvPr>
+            <p:ph type="sldImg"/>
+          </p:nvPr>
+        </p:nvSpPr>
+        <p:spPr>
+          <a:xfrm>
+            <a:off x="381000" y="685800"/>
+            <a:ext cx="6096000" cy="3429000"/>
+          </a:xfrm>
+        </p:spPr>
+      </p:sp>
+      <p:sp>
+        <p:nvSpPr>
+          <p:cNvPr id="3" name="Notes Placeholder 2"/>
+          <p:cNvSpPr>
+            <a:spLocks noGrp="1"/>
+          </p:cNvSpPr>
+          <p:nvPr>
+            <p:ph type="body" idx="1"/>
+          </p:nvPr>
+        </p:nvSpPr>
+        <p:spPr/>
+        <p:txBody>
+          <a:bodyPr/>
+          <a:lstStyle/>
+          <a:p>
+            <a:pPr marL="0" marR="0" indent="0" algn="l" defTabSz="457200" rtl="0" eaLnBrk="1" fontAlgn="auto" latinLnBrk="0" hangingPunct="1">
+              <a:lnSpc>
+                <a:spcPct val="100000"/>
+              </a:lnSpc>
+              <a:spcBef>
+                <a:spcPts val="0"/>
+              </a:spcBef>
+              <a:spcAft>
+                <a:spcPts val="0"/>
+              </a:spcAft>
+              <a:buClrTx/>
+              <a:buSzTx/>
+              <a:buFontTx/>
+              <a:buNone/>
+              <a:tabLst/>
+              <a:defRPr/>
+            </a:pPr>
+            <a:r>
+              <a:rPr lang="en-US" sz="1100" kern="1200" dirty="0">
+                <a:solidFill>
+                  <a:schemeClr val="tx1"/>
+                </a:solidFill>
+                <a:effectLst/>
+                <a:latin typeface="+mn-lt"/>
+                <a:ea typeface="+mn-ea"/>
+                <a:cs typeface="+mn-cs"/>
+              </a:rPr>
+              <a:t>Global heat map showing the percentage of sites filtered for any client in countries around the world. China experiences the highest average amount of filtering, at 5% of measurable sites filtered by a resolver within the country. </a:t>
+            </a:r>
+            <a:endParaRPr lang="en-US" dirty="0"/>
+          </a:p>
+          <a:p>
+            <a:endParaRPr lang="en-US" dirty="0"/>
+          </a:p>
+        </p:txBody>
+      </p:sp>
+    </p:spTree>
+    <p:extLst>
+      <p:ext uri="{BB962C8B-B14F-4D97-AF65-F5344CB8AC3E}">
+        <p14:creationId xmlns:p14="http://schemas.microsoft.com/office/powerpoint/2010/main" val="3447851748"/>
+      </p:ext>
+    </p:extLst>
+  </p:cSld>
+  <p:clrMapOvr>
+    <a:masterClrMapping/>
+  </p:clrMapOvr>
+</p:notes>
+</file>
+
+<file path=ppt/notesSlides/notesSlide11.xml><?xml version="1.0" encoding="utf-8"?>
 <p:notes xmlns:a="http://schemas.openxmlformats.org/drawingml/2006/main" xmlns:r="http://schemas.openxmlformats.org/officeDocument/2006/relationships" xmlns:p="http://schemas.openxmlformats.org/presentationml/2006/main" showMasterSp="0" showMasterPhAnim="0">
   <p:cSld>
     <p:spTree>
@@ -729,7 +832,7 @@
 </p:notes>
 </file>
 
-<file path=ppt/notesSlides/notesSlide11.xml><?xml version="1.0" encoding="utf-8"?>
+<file path=ppt/notesSlides/notesSlide12.xml><?xml version="1.0" encoding="utf-8"?>
 <p:notes xmlns:a="http://schemas.openxmlformats.org/drawingml/2006/main" xmlns:r="http://schemas.openxmlformats.org/officeDocument/2006/relationships" xmlns:p="http://schemas.openxmlformats.org/presentationml/2006/main" showMasterSp="0" showMasterPhAnim="0">
   <p:cSld>
     <p:spTree>
@@ -845,7 +948,7 @@
 </p:notes>
 </file>
 
-<file path=ppt/notesSlides/notesSlide12.xml><?xml version="1.0" encoding="utf-8"?>
+<file path=ppt/notesSlides/notesSlide13.xml><?xml version="1.0" encoding="utf-8"?>
 <p:notes xmlns:a="http://schemas.openxmlformats.org/drawingml/2006/main" xmlns:r="http://schemas.openxmlformats.org/officeDocument/2006/relationships" xmlns:p="http://schemas.openxmlformats.org/presentationml/2006/main" showMasterSp="0" showMasterPhAnim="0">
   <p:cSld>
     <p:spTree>
@@ -962,6 +1065,90 @@
 </file>
 
 <file path=ppt/notesSlides/notesSlide2.xml><?xml version="1.0" encoding="utf-8"?>
+<p:notes xmlns:a="http://schemas.openxmlformats.org/drawingml/2006/main" xmlns:r="http://schemas.openxmlformats.org/officeDocument/2006/relationships" xmlns:p="http://schemas.openxmlformats.org/presentationml/2006/main">
+  <p:cSld>
+    <p:spTree>
+      <p:nvGrpSpPr>
+        <p:cNvPr id="1" name=""/>
+        <p:cNvGrpSpPr/>
+        <p:nvPr/>
+      </p:nvGrpSpPr>
+      <p:grpSpPr>
+        <a:xfrm>
+          <a:off x="0" y="0"/>
+          <a:ext cx="0" cy="0"/>
+          <a:chOff x="0" y="0"/>
+          <a:chExt cx="0" cy="0"/>
+        </a:xfrm>
+      </p:grpSpPr>
+      <p:sp>
+        <p:nvSpPr>
+          <p:cNvPr id="2" name="Slide Image Placeholder 1"/>
+          <p:cNvSpPr>
+            <a:spLocks noGrp="1" noRot="1" noChangeAspect="1"/>
+          </p:cNvSpPr>
+          <p:nvPr>
+            <p:ph type="sldImg"/>
+          </p:nvPr>
+        </p:nvSpPr>
+        <p:spPr/>
+      </p:sp>
+      <p:sp>
+        <p:nvSpPr>
+          <p:cNvPr id="3" name="Notes Placeholder 2"/>
+          <p:cNvSpPr>
+            <a:spLocks noGrp="1"/>
+          </p:cNvSpPr>
+          <p:nvPr>
+            <p:ph type="body" idx="1"/>
+          </p:nvPr>
+        </p:nvSpPr>
+        <p:spPr/>
+        <p:txBody>
+          <a:bodyPr/>
+          <a:lstStyle/>
+          <a:p>
+            <a:endParaRPr lang="en-US" dirty="0"/>
+          </a:p>
+        </p:txBody>
+      </p:sp>
+      <p:sp>
+        <p:nvSpPr>
+          <p:cNvPr id="4" name="Slide Number Placeholder 3"/>
+          <p:cNvSpPr>
+            <a:spLocks noGrp="1"/>
+          </p:cNvSpPr>
+          <p:nvPr>
+            <p:ph type="sldNum" sz="quarter" idx="5"/>
+          </p:nvPr>
+        </p:nvSpPr>
+        <p:spPr/>
+        <p:txBody>
+          <a:bodyPr/>
+          <a:lstStyle/>
+          <a:p>
+            <a:fld id="{6D9D9810-7F47-884E-9EC3-518F38176584}" type="slidenum">
+              <a:rPr lang="en-US" smtClean="0"/>
+              <a:t>4</a:t>
+            </a:fld>
+            <a:endParaRPr lang="en-US"/>
+          </a:p>
+        </p:txBody>
+      </p:sp>
+    </p:spTree>
+    <p:extLst>
+      <p:ext uri="{BB962C8B-B14F-4D97-AF65-F5344CB8AC3E}">
+        <p14:creationId xmlns:p14="http://schemas.microsoft.com/office/powerpoint/2010/main" val="2791745459"/>
+      </p:ext>
+    </p:extLst>
+  </p:cSld>
+  <p:clrMapOvr>
+    <a:masterClrMapping/>
+  </p:clrMapOvr>
+</p:notes>
+</file>
+
+<file path=ppt/notesSlides/notesSlide3.xml><?xml version="1.0" encoding="utf-8"?>
 <p:notes xmlns:a="http://schemas.openxmlformats.org/drawingml/2006/main" xmlns:r="http://schemas.openxmlformats.org/officeDocument/2006/relationships" xmlns:p="http://schemas.openxmlformats.org/presentationml/2006/main" showMasterSp="0" showMasterPhAnim="0">
   <p:cSld>
     <p:spTree>
@@ -1077,7 +1264,7 @@
 </p:notes>
 </file>
 
-<file path=ppt/notesSlides/notesSlide3.xml><?xml version="1.0" encoding="utf-8"?>
+<file path=ppt/notesSlides/notesSlide4.xml><?xml version="1.0" encoding="utf-8"?>
 <p:notes xmlns:a="http://schemas.openxmlformats.org/drawingml/2006/main" xmlns:r="http://schemas.openxmlformats.org/officeDocument/2006/relationships" xmlns:p="http://schemas.openxmlformats.org/presentationml/2006/main">
   <p:cSld>
     <p:spTree>
@@ -1155,7 +1342,7 @@
 </p:notes>
 </file>
 
-<file path=ppt/notesSlides/notesSlide4.xml><?xml version="1.0" encoding="utf-8"?>
+<file path=ppt/notesSlides/notesSlide5.xml><?xml version="1.0" encoding="utf-8"?>
 <p:notes xmlns:a="http://schemas.openxmlformats.org/drawingml/2006/main" xmlns:r="http://schemas.openxmlformats.org/officeDocument/2006/relationships" xmlns:p="http://schemas.openxmlformats.org/presentationml/2006/main" showMasterSp="0" showMasterPhAnim="0">
   <p:cSld>
     <p:spTree>
@@ -1293,7 +1480,7 @@
 </p:notes>
 </file>
 
-<file path=ppt/notesSlides/notesSlide5.xml><?xml version="1.0" encoding="utf-8"?>
+<file path=ppt/notesSlides/notesSlide6.xml><?xml version="1.0" encoding="utf-8"?>
 <p:notes xmlns:a="http://schemas.openxmlformats.org/drawingml/2006/main" xmlns:r="http://schemas.openxmlformats.org/officeDocument/2006/relationships" xmlns:p="http://schemas.openxmlformats.org/presentationml/2006/main" showMasterSp="0" showMasterPhAnim="0">
   <p:cSld>
     <p:spTree>
@@ -1399,7 +1586,7 @@
 </p:notes>
 </file>
 
-<file path=ppt/notesSlides/notesSlide6.xml><?xml version="1.0" encoding="utf-8"?>
+<file path=ppt/notesSlides/notesSlide7.xml><?xml version="1.0" encoding="utf-8"?>
 <p:notes xmlns:a="http://schemas.openxmlformats.org/drawingml/2006/main" xmlns:r="http://schemas.openxmlformats.org/officeDocument/2006/relationships" xmlns:p="http://schemas.openxmlformats.org/presentationml/2006/main">
   <p:cSld>
     <p:spTree>
@@ -1553,356 +1740,6 @@
 </p:notes>
 </file>
 
-<file path=ppt/notesSlides/notesSlide7.xml><?xml version="1.0" encoding="utf-8"?>
-<p:notes xmlns:a="http://schemas.openxmlformats.org/drawingml/2006/main" xmlns:r="http://schemas.openxmlformats.org/officeDocument/2006/relationships" xmlns:p="http://schemas.openxmlformats.org/presentationml/2006/main">
-  <p:cSld>
-    <p:spTree>
-      <p:nvGrpSpPr>
-        <p:cNvPr id="1" name=""/>
-        <p:cNvGrpSpPr/>
-        <p:nvPr/>
-      </p:nvGrpSpPr>
-      <p:grpSpPr>
-        <a:xfrm>
-          <a:off x="0" y="0"/>
-          <a:ext cx="0" cy="0"/>
-          <a:chOff x="0" y="0"/>
-          <a:chExt cx="0" cy="0"/>
-        </a:xfrm>
-      </p:grpSpPr>
-      <p:sp>
-        <p:nvSpPr>
-          <p:cNvPr id="2" name="Slide Image Placeholder 1"/>
-          <p:cNvSpPr>
-            <a:spLocks noGrp="1" noRot="1" noChangeAspect="1"/>
-          </p:cNvSpPr>
-          <p:nvPr>
-            <p:ph type="sldImg"/>
-          </p:nvPr>
-        </p:nvSpPr>
-        <p:spPr>
-          <a:xfrm>
-            <a:off x="381000" y="685800"/>
-            <a:ext cx="6096000" cy="3429000"/>
-          </a:xfrm>
-        </p:spPr>
-      </p:sp>
-      <p:sp>
-        <p:nvSpPr>
-          <p:cNvPr id="3" name="Notes Placeholder 2"/>
-          <p:cNvSpPr>
-            <a:spLocks noGrp="1"/>
-          </p:cNvSpPr>
-          <p:nvPr>
-            <p:ph type="body" idx="1"/>
-          </p:nvPr>
-        </p:nvSpPr>
-        <p:spPr/>
-        <p:txBody>
-          <a:bodyPr/>
-          <a:lstStyle/>
-          <a:p>
-            <a:r>
-              <a:rPr lang="en-US" sz="1100" kern="1200" dirty="0">
-                <a:solidFill>
-                  <a:schemeClr val="tx1"/>
-                </a:solidFill>
-                <a:effectLst/>
-                <a:latin typeface="+mn-lt"/>
-                <a:ea typeface="+mn-ea"/>
-                <a:cs typeface="+mn-cs"/>
-              </a:rPr>
-              <a:t>ANON </a:t>
-            </a:r>
-            <a:r>
-              <a:rPr lang="en-US" sz="1100" kern="1200" dirty="0" err="1">
-                <a:solidFill>
-                  <a:schemeClr val="tx1"/>
-                </a:solidFill>
-                <a:effectLst/>
-                <a:latin typeface="+mn-lt"/>
-                <a:ea typeface="+mn-ea"/>
-                <a:cs typeface="+mn-cs"/>
-              </a:rPr>
-              <a:t>Anonymizers</a:t>
-            </a:r>
-            <a:r>
-              <a:rPr lang="en-US" sz="1100" kern="1200" dirty="0">
-                <a:solidFill>
-                  <a:schemeClr val="tx1"/>
-                </a:solidFill>
-                <a:effectLst/>
-                <a:latin typeface="+mn-lt"/>
-                <a:ea typeface="+mn-ea"/>
-                <a:cs typeface="+mn-cs"/>
-              </a:rPr>
-              <a:t> and censorship circumvention EMAIL Free email</a:t>
-            </a:r>
-            <a:br>
-              <a:rPr lang="en-US" sz="1100" kern="1200" dirty="0">
-                <a:solidFill>
-                  <a:schemeClr val="tx1"/>
-                </a:solidFill>
-                <a:effectLst/>
-                <a:latin typeface="+mn-lt"/>
-                <a:ea typeface="+mn-ea"/>
-                <a:cs typeface="+mn-cs"/>
-              </a:rPr>
-            </a:br>
-            <a:r>
-              <a:rPr lang="en-US" sz="1100" kern="1200" dirty="0">
-                <a:solidFill>
-                  <a:schemeClr val="tx1"/>
-                </a:solidFill>
-                <a:effectLst/>
-                <a:latin typeface="+mn-lt"/>
-                <a:ea typeface="+mn-ea"/>
-                <a:cs typeface="+mn-cs"/>
-              </a:rPr>
-              <a:t>FEXP Freedom of expression and media freedom FREL Foreign relations and military </a:t>
-            </a:r>
-            <a:endParaRPr lang="en-US" dirty="0"/>
-          </a:p>
-          <a:p>
-            <a:r>
-              <a:rPr lang="en-US" sz="1100" kern="1200" dirty="0">
-                <a:solidFill>
-                  <a:schemeClr val="tx1"/>
-                </a:solidFill>
-                <a:effectLst/>
-                <a:latin typeface="+mn-lt"/>
-                <a:ea typeface="+mn-ea"/>
-                <a:cs typeface="+mn-cs"/>
-              </a:rPr>
-              <a:t>HATE Hate speech</a:t>
-            </a:r>
-            <a:br>
-              <a:rPr lang="en-US" sz="1100" kern="1200" dirty="0">
-                <a:solidFill>
-                  <a:schemeClr val="tx1"/>
-                </a:solidFill>
-                <a:effectLst/>
-                <a:latin typeface="+mn-lt"/>
-                <a:ea typeface="+mn-ea"/>
-                <a:cs typeface="+mn-cs"/>
-              </a:rPr>
-            </a:br>
-            <a:r>
-              <a:rPr lang="en-US" sz="1100" kern="1200" dirty="0">
-                <a:solidFill>
-                  <a:schemeClr val="tx1"/>
-                </a:solidFill>
-                <a:effectLst/>
-                <a:latin typeface="+mn-lt"/>
-                <a:ea typeface="+mn-ea"/>
-                <a:cs typeface="+mn-cs"/>
-              </a:rPr>
-              <a:t>HOST Web hosting services</a:t>
-            </a:r>
-            <a:br>
-              <a:rPr lang="en-US" sz="1100" kern="1200" dirty="0">
-                <a:solidFill>
-                  <a:schemeClr val="tx1"/>
-                </a:solidFill>
-                <a:effectLst/>
-                <a:latin typeface="+mn-lt"/>
-                <a:ea typeface="+mn-ea"/>
-                <a:cs typeface="+mn-cs"/>
-              </a:rPr>
-            </a:br>
-            <a:r>
-              <a:rPr lang="en-US" sz="1100" kern="1200" dirty="0">
-                <a:solidFill>
-                  <a:schemeClr val="tx1"/>
-                </a:solidFill>
-                <a:effectLst/>
-                <a:latin typeface="+mn-lt"/>
-                <a:ea typeface="+mn-ea"/>
-                <a:cs typeface="+mn-cs"/>
-              </a:rPr>
-              <a:t>HUMR Human rights</a:t>
-            </a:r>
-            <a:br>
-              <a:rPr lang="en-US" sz="1100" kern="1200" dirty="0">
-                <a:solidFill>
-                  <a:schemeClr val="tx1"/>
-                </a:solidFill>
-                <a:effectLst/>
-                <a:latin typeface="+mn-lt"/>
-                <a:ea typeface="+mn-ea"/>
-                <a:cs typeface="+mn-cs"/>
-              </a:rPr>
-            </a:br>
-            <a:r>
-              <a:rPr lang="en-US" sz="1100" kern="1200" dirty="0">
-                <a:solidFill>
-                  <a:schemeClr val="tx1"/>
-                </a:solidFill>
-                <a:effectLst/>
-                <a:latin typeface="+mn-lt"/>
-                <a:ea typeface="+mn-ea"/>
-                <a:cs typeface="+mn-cs"/>
-              </a:rPr>
-              <a:t>MILX Militants extremists and separatists</a:t>
-            </a:r>
-            <a:br>
-              <a:rPr lang="en-US" sz="1100" kern="1200" dirty="0">
-                <a:solidFill>
-                  <a:schemeClr val="tx1"/>
-                </a:solidFill>
-                <a:effectLst/>
-                <a:latin typeface="+mn-lt"/>
-                <a:ea typeface="+mn-ea"/>
-                <a:cs typeface="+mn-cs"/>
-              </a:rPr>
-            </a:br>
-            <a:r>
-              <a:rPr lang="en-US" sz="1100" kern="1200" dirty="0">
-                <a:solidFill>
-                  <a:schemeClr val="tx1"/>
-                </a:solidFill>
-                <a:effectLst/>
-                <a:latin typeface="+mn-lt"/>
-                <a:ea typeface="+mn-ea"/>
-                <a:cs typeface="+mn-cs"/>
-              </a:rPr>
-              <a:t>MINF Minority faiths</a:t>
-            </a:r>
-            <a:br>
-              <a:rPr lang="en-US" sz="1100" kern="1200" dirty="0">
-                <a:solidFill>
-                  <a:schemeClr val="tx1"/>
-                </a:solidFill>
-                <a:effectLst/>
-                <a:latin typeface="+mn-lt"/>
-                <a:ea typeface="+mn-ea"/>
-                <a:cs typeface="+mn-cs"/>
-              </a:rPr>
-            </a:br>
-            <a:r>
-              <a:rPr lang="en-US" sz="1100" kern="1200" dirty="0">
-                <a:solidFill>
-                  <a:schemeClr val="tx1"/>
-                </a:solidFill>
-                <a:effectLst/>
-                <a:latin typeface="+mn-lt"/>
-                <a:ea typeface="+mn-ea"/>
-                <a:cs typeface="+mn-cs"/>
-              </a:rPr>
-              <a:t>P2P Peer-to-peer file sharing</a:t>
-            </a:r>
-            <a:br>
-              <a:rPr lang="en-US" sz="1100" kern="1200" dirty="0">
-                <a:solidFill>
-                  <a:schemeClr val="tx1"/>
-                </a:solidFill>
-                <a:effectLst/>
-                <a:latin typeface="+mn-lt"/>
-                <a:ea typeface="+mn-ea"/>
-                <a:cs typeface="+mn-cs"/>
-              </a:rPr>
-            </a:br>
-            <a:r>
-              <a:rPr lang="en-US" sz="1100" kern="1200" dirty="0">
-                <a:solidFill>
-                  <a:schemeClr val="tx1"/>
-                </a:solidFill>
-                <a:effectLst/>
-                <a:latin typeface="+mn-lt"/>
-                <a:ea typeface="+mn-ea"/>
-                <a:cs typeface="+mn-cs"/>
-              </a:rPr>
-              <a:t>POLR Political reform</a:t>
-            </a:r>
-            <a:br>
-              <a:rPr lang="en-US" sz="1100" kern="1200" dirty="0">
-                <a:solidFill>
-                  <a:schemeClr val="tx1"/>
-                </a:solidFill>
-                <a:effectLst/>
-                <a:latin typeface="+mn-lt"/>
-                <a:ea typeface="+mn-ea"/>
-                <a:cs typeface="+mn-cs"/>
-              </a:rPr>
-            </a:br>
-            <a:r>
-              <a:rPr lang="en-US" sz="1100" kern="1200" dirty="0">
-                <a:solidFill>
-                  <a:schemeClr val="tx1"/>
-                </a:solidFill>
-                <a:effectLst/>
-                <a:latin typeface="+mn-lt"/>
-                <a:ea typeface="+mn-ea"/>
-                <a:cs typeface="+mn-cs"/>
-              </a:rPr>
-              <a:t>PORN Pornography</a:t>
-            </a:r>
-            <a:br>
-              <a:rPr lang="en-US" sz="1100" kern="1200" dirty="0">
-                <a:solidFill>
-                  <a:schemeClr val="tx1"/>
-                </a:solidFill>
-                <a:effectLst/>
-                <a:latin typeface="+mn-lt"/>
-                <a:ea typeface="+mn-ea"/>
-                <a:cs typeface="+mn-cs"/>
-              </a:rPr>
-            </a:br>
-            <a:r>
-              <a:rPr lang="en-US" sz="1100" kern="1200" dirty="0">
-                <a:solidFill>
-                  <a:schemeClr val="tx1"/>
-                </a:solidFill>
-                <a:effectLst/>
-                <a:latin typeface="+mn-lt"/>
-                <a:ea typeface="+mn-ea"/>
-                <a:cs typeface="+mn-cs"/>
-              </a:rPr>
-              <a:t>REL Religious conversion, commentary and criticism USMIL US government-run military website</a:t>
-            </a:r>
-            <a:br>
-              <a:rPr lang="en-US" sz="1100" kern="1200" dirty="0">
-                <a:solidFill>
-                  <a:schemeClr val="tx1"/>
-                </a:solidFill>
-                <a:effectLst/>
-                <a:latin typeface="+mn-lt"/>
-                <a:ea typeface="+mn-ea"/>
-                <a:cs typeface="+mn-cs"/>
-              </a:rPr>
-            </a:br>
-            <a:r>
-              <a:rPr lang="en-US" sz="1100" kern="1200" dirty="0">
-                <a:solidFill>
-                  <a:schemeClr val="tx1"/>
-                </a:solidFill>
-                <a:effectLst/>
-                <a:latin typeface="+mn-lt"/>
-                <a:ea typeface="+mn-ea"/>
-                <a:cs typeface="+mn-cs"/>
-              </a:rPr>
-              <a:t>VOIP Voice over Internet Protocol (VoIP) </a:t>
-            </a:r>
-            <a:endParaRPr lang="en-US" dirty="0"/>
-          </a:p>
-          <a:p>
-            <a:endParaRPr lang="en-US" dirty="0"/>
-          </a:p>
-        </p:txBody>
-      </p:sp>
-    </p:spTree>
-    <p:extLst>
-      <p:ext uri="{BB962C8B-B14F-4D97-AF65-F5344CB8AC3E}">
-        <p14:creationId xmlns:p14="http://schemas.microsoft.com/office/powerpoint/2010/main" val="3717614417"/>
-      </p:ext>
-    </p:extLst>
-  </p:cSld>
-  <p:clrMapOvr>
-    <a:masterClrMapping/>
-  </p:clrMapOvr>
-</p:notes>
-</file>
-
 <file path=ppt/notesSlides/notesSlide8.xml><?xml version="1.0" encoding="utf-8"?>
 <p:notes xmlns:a="http://schemas.openxmlformats.org/drawingml/2006/main" xmlns:r="http://schemas.openxmlformats.org/officeDocument/2006/relationships" xmlns:p="http://schemas.openxmlformats.org/presentationml/2006/main">
   <p:cSld>
@@ -2243,7 +2080,7 @@
     </p:spTree>
     <p:extLst>
       <p:ext uri="{BB962C8B-B14F-4D97-AF65-F5344CB8AC3E}">
-        <p14:creationId xmlns:p14="http://schemas.microsoft.com/office/powerpoint/2010/main" val="1177459019"/>
+        <p14:creationId xmlns:p14="http://schemas.microsoft.com/office/powerpoint/2010/main" val="3717614417"/>
       </p:ext>
     </p:extLst>
   </p:cSld>
@@ -2302,23 +2139,6 @@
           <a:bodyPr/>
           <a:lstStyle/>
           <a:p>
-            <a:pPr marL="0" marR="0" indent="0" algn="l" defTabSz="457200" rtl="0" eaLnBrk="1" fontAlgn="auto" latinLnBrk="0" hangingPunct="1">
-              <a:lnSpc>
-                <a:spcPct val="100000"/>
-              </a:lnSpc>
-              <a:spcBef>
-                <a:spcPts val="0"/>
-              </a:spcBef>
-              <a:spcAft>
-                <a:spcPts val="0"/>
-              </a:spcAft>
-              <a:buClrTx/>
-              <a:buSzTx/>
-              <a:buFontTx/>
-              <a:buNone/>
-              <a:tabLst/>
-              <a:defRPr/>
-            </a:pPr>
             <a:r>
               <a:rPr lang="en-US" sz="1100" kern="1200" dirty="0">
                 <a:solidFill>
@@ -2329,7 +2149,276 @@
                 <a:ea typeface="+mn-ea"/>
                 <a:cs typeface="+mn-cs"/>
               </a:rPr>
-              <a:t>Global heat map showing the percentage of sites filtered for any client in countries around the world. China experiences the highest average amount of filtering, at 5% of measurable sites filtered by a resolver within the country. </a:t>
+              <a:t>ANON </a:t>
+            </a:r>
+            <a:r>
+              <a:rPr lang="en-US" sz="1100" kern="1200" dirty="0" err="1">
+                <a:solidFill>
+                  <a:schemeClr val="tx1"/>
+                </a:solidFill>
+                <a:effectLst/>
+                <a:latin typeface="+mn-lt"/>
+                <a:ea typeface="+mn-ea"/>
+                <a:cs typeface="+mn-cs"/>
+              </a:rPr>
+              <a:t>Anonymizers</a:t>
+            </a:r>
+            <a:r>
+              <a:rPr lang="en-US" sz="1100" kern="1200" dirty="0">
+                <a:solidFill>
+                  <a:schemeClr val="tx1"/>
+                </a:solidFill>
+                <a:effectLst/>
+                <a:latin typeface="+mn-lt"/>
+                <a:ea typeface="+mn-ea"/>
+                <a:cs typeface="+mn-cs"/>
+              </a:rPr>
+              <a:t> and censorship circumvention EMAIL Free email</a:t>
+            </a:r>
+            <a:br>
+              <a:rPr lang="en-US" sz="1100" kern="1200" dirty="0">
+                <a:solidFill>
+                  <a:schemeClr val="tx1"/>
+                </a:solidFill>
+                <a:effectLst/>
+                <a:latin typeface="+mn-lt"/>
+                <a:ea typeface="+mn-ea"/>
+                <a:cs typeface="+mn-cs"/>
+              </a:rPr>
+            </a:br>
+            <a:r>
+              <a:rPr lang="en-US" sz="1100" kern="1200" dirty="0">
+                <a:solidFill>
+                  <a:schemeClr val="tx1"/>
+                </a:solidFill>
+                <a:effectLst/>
+                <a:latin typeface="+mn-lt"/>
+                <a:ea typeface="+mn-ea"/>
+                <a:cs typeface="+mn-cs"/>
+              </a:rPr>
+              <a:t>FEXP Freedom of expression and media freedom FREL Foreign relations and military </a:t>
+            </a:r>
+            <a:endParaRPr lang="en-US" dirty="0"/>
+          </a:p>
+          <a:p>
+            <a:r>
+              <a:rPr lang="en-US" sz="1100" kern="1200" dirty="0">
+                <a:solidFill>
+                  <a:schemeClr val="tx1"/>
+                </a:solidFill>
+                <a:effectLst/>
+                <a:latin typeface="+mn-lt"/>
+                <a:ea typeface="+mn-ea"/>
+                <a:cs typeface="+mn-cs"/>
+              </a:rPr>
+              <a:t>HATE Hate speech</a:t>
+            </a:r>
+            <a:br>
+              <a:rPr lang="en-US" sz="1100" kern="1200" dirty="0">
+                <a:solidFill>
+                  <a:schemeClr val="tx1"/>
+                </a:solidFill>
+                <a:effectLst/>
+                <a:latin typeface="+mn-lt"/>
+                <a:ea typeface="+mn-ea"/>
+                <a:cs typeface="+mn-cs"/>
+              </a:rPr>
+            </a:br>
+            <a:r>
+              <a:rPr lang="en-US" sz="1100" kern="1200" dirty="0">
+                <a:solidFill>
+                  <a:schemeClr val="tx1"/>
+                </a:solidFill>
+                <a:effectLst/>
+                <a:latin typeface="+mn-lt"/>
+                <a:ea typeface="+mn-ea"/>
+                <a:cs typeface="+mn-cs"/>
+              </a:rPr>
+              <a:t>HOST Web hosting services</a:t>
+            </a:r>
+            <a:br>
+              <a:rPr lang="en-US" sz="1100" kern="1200" dirty="0">
+                <a:solidFill>
+                  <a:schemeClr val="tx1"/>
+                </a:solidFill>
+                <a:effectLst/>
+                <a:latin typeface="+mn-lt"/>
+                <a:ea typeface="+mn-ea"/>
+                <a:cs typeface="+mn-cs"/>
+              </a:rPr>
+            </a:br>
+            <a:r>
+              <a:rPr lang="en-US" sz="1100" kern="1200" dirty="0">
+                <a:solidFill>
+                  <a:schemeClr val="tx1"/>
+                </a:solidFill>
+                <a:effectLst/>
+                <a:latin typeface="+mn-lt"/>
+                <a:ea typeface="+mn-ea"/>
+                <a:cs typeface="+mn-cs"/>
+              </a:rPr>
+              <a:t>HUMR Human rights</a:t>
+            </a:r>
+            <a:br>
+              <a:rPr lang="en-US" sz="1100" kern="1200" dirty="0">
+                <a:solidFill>
+                  <a:schemeClr val="tx1"/>
+                </a:solidFill>
+                <a:effectLst/>
+                <a:latin typeface="+mn-lt"/>
+                <a:ea typeface="+mn-ea"/>
+                <a:cs typeface="+mn-cs"/>
+              </a:rPr>
+            </a:br>
+            <a:r>
+              <a:rPr lang="en-US" sz="1100" kern="1200" dirty="0">
+                <a:solidFill>
+                  <a:schemeClr val="tx1"/>
+                </a:solidFill>
+                <a:effectLst/>
+                <a:latin typeface="+mn-lt"/>
+                <a:ea typeface="+mn-ea"/>
+                <a:cs typeface="+mn-cs"/>
+              </a:rPr>
+              <a:t>MILX Militants extremists and separatists</a:t>
+            </a:r>
+            <a:br>
+              <a:rPr lang="en-US" sz="1100" kern="1200" dirty="0">
+                <a:solidFill>
+                  <a:schemeClr val="tx1"/>
+                </a:solidFill>
+                <a:effectLst/>
+                <a:latin typeface="+mn-lt"/>
+                <a:ea typeface="+mn-ea"/>
+                <a:cs typeface="+mn-cs"/>
+              </a:rPr>
+            </a:br>
+            <a:r>
+              <a:rPr lang="en-US" sz="1100" kern="1200" dirty="0">
+                <a:solidFill>
+                  <a:schemeClr val="tx1"/>
+                </a:solidFill>
+                <a:effectLst/>
+                <a:latin typeface="+mn-lt"/>
+                <a:ea typeface="+mn-ea"/>
+                <a:cs typeface="+mn-cs"/>
+              </a:rPr>
+              <a:t>MINF Minority faiths</a:t>
+            </a:r>
+            <a:br>
+              <a:rPr lang="en-US" sz="1100" kern="1200" dirty="0">
+                <a:solidFill>
+                  <a:schemeClr val="tx1"/>
+                </a:solidFill>
+                <a:effectLst/>
+                <a:latin typeface="+mn-lt"/>
+                <a:ea typeface="+mn-ea"/>
+                <a:cs typeface="+mn-cs"/>
+              </a:rPr>
+            </a:br>
+            <a:r>
+              <a:rPr lang="en-US" sz="1100" kern="1200" dirty="0">
+                <a:solidFill>
+                  <a:schemeClr val="tx1"/>
+                </a:solidFill>
+                <a:effectLst/>
+                <a:latin typeface="+mn-lt"/>
+                <a:ea typeface="+mn-ea"/>
+                <a:cs typeface="+mn-cs"/>
+              </a:rPr>
+              <a:t>P2P Peer-to-peer file sharing</a:t>
+            </a:r>
+            <a:br>
+              <a:rPr lang="en-US" sz="1100" kern="1200" dirty="0">
+                <a:solidFill>
+                  <a:schemeClr val="tx1"/>
+                </a:solidFill>
+                <a:effectLst/>
+                <a:latin typeface="+mn-lt"/>
+                <a:ea typeface="+mn-ea"/>
+                <a:cs typeface="+mn-cs"/>
+              </a:rPr>
+            </a:br>
+            <a:r>
+              <a:rPr lang="en-US" sz="1100" kern="1200" dirty="0">
+                <a:solidFill>
+                  <a:schemeClr val="tx1"/>
+                </a:solidFill>
+                <a:effectLst/>
+                <a:latin typeface="+mn-lt"/>
+                <a:ea typeface="+mn-ea"/>
+                <a:cs typeface="+mn-cs"/>
+              </a:rPr>
+              <a:t>POLR Political reform</a:t>
+            </a:r>
+            <a:br>
+              <a:rPr lang="en-US" sz="1100" kern="1200" dirty="0">
+                <a:solidFill>
+                  <a:schemeClr val="tx1"/>
+                </a:solidFill>
+                <a:effectLst/>
+                <a:latin typeface="+mn-lt"/>
+                <a:ea typeface="+mn-ea"/>
+                <a:cs typeface="+mn-cs"/>
+              </a:rPr>
+            </a:br>
+            <a:r>
+              <a:rPr lang="en-US" sz="1100" kern="1200" dirty="0">
+                <a:solidFill>
+                  <a:schemeClr val="tx1"/>
+                </a:solidFill>
+                <a:effectLst/>
+                <a:latin typeface="+mn-lt"/>
+                <a:ea typeface="+mn-ea"/>
+                <a:cs typeface="+mn-cs"/>
+              </a:rPr>
+              <a:t>PORN Pornography</a:t>
+            </a:r>
+            <a:br>
+              <a:rPr lang="en-US" sz="1100" kern="1200" dirty="0">
+                <a:solidFill>
+                  <a:schemeClr val="tx1"/>
+                </a:solidFill>
+                <a:effectLst/>
+                <a:latin typeface="+mn-lt"/>
+                <a:ea typeface="+mn-ea"/>
+                <a:cs typeface="+mn-cs"/>
+              </a:rPr>
+            </a:br>
+            <a:r>
+              <a:rPr lang="en-US" sz="1100" kern="1200" dirty="0">
+                <a:solidFill>
+                  <a:schemeClr val="tx1"/>
+                </a:solidFill>
+                <a:effectLst/>
+                <a:latin typeface="+mn-lt"/>
+                <a:ea typeface="+mn-ea"/>
+                <a:cs typeface="+mn-cs"/>
+              </a:rPr>
+              <a:t>REL Religious conversion, commentary and criticism USMIL US government-run military website</a:t>
+            </a:r>
+            <a:br>
+              <a:rPr lang="en-US" sz="1100" kern="1200" dirty="0">
+                <a:solidFill>
+                  <a:schemeClr val="tx1"/>
+                </a:solidFill>
+                <a:effectLst/>
+                <a:latin typeface="+mn-lt"/>
+                <a:ea typeface="+mn-ea"/>
+                <a:cs typeface="+mn-cs"/>
+              </a:rPr>
+            </a:br>
+            <a:r>
+              <a:rPr lang="en-US" sz="1100" kern="1200" dirty="0">
+                <a:solidFill>
+                  <a:schemeClr val="tx1"/>
+                </a:solidFill>
+                <a:effectLst/>
+                <a:latin typeface="+mn-lt"/>
+                <a:ea typeface="+mn-ea"/>
+                <a:cs typeface="+mn-cs"/>
+              </a:rPr>
+              <a:t>VOIP Voice over Internet Protocol (VoIP) </a:t>
             </a:r>
             <a:endParaRPr lang="en-US" dirty="0"/>
           </a:p>
@@ -2341,7 +2430,7 @@
     </p:spTree>
     <p:extLst>
       <p:ext uri="{BB962C8B-B14F-4D97-AF65-F5344CB8AC3E}">
-        <p14:creationId xmlns:p14="http://schemas.microsoft.com/office/powerpoint/2010/main" val="3447851748"/>
+        <p14:creationId xmlns:p14="http://schemas.microsoft.com/office/powerpoint/2010/main" val="1177459019"/>
       </p:ext>
     </p:extLst>
   </p:cSld>
@@ -2498,7 +2587,7 @@
           <a:p>
             <a:fld id="{C9E664E8-8019-2444-AEBA-CE692A70D4C8}" type="datetimeFigureOut">
               <a:rPr lang="en-US" smtClean="0"/>
-              <a:t>1/27/20</a:t>
+              <a:t>2/2/21</a:t>
             </a:fld>
             <a:endParaRPr lang="en-US"/>
           </a:p>
@@ -2696,7 +2785,7 @@
           <a:p>
             <a:fld id="{C9E664E8-8019-2444-AEBA-CE692A70D4C8}" type="datetimeFigureOut">
               <a:rPr lang="en-US" smtClean="0"/>
-              <a:t>1/27/20</a:t>
+              <a:t>2/2/21</a:t>
             </a:fld>
             <a:endParaRPr lang="en-US"/>
           </a:p>
@@ -2904,7 +2993,7 @@
           <a:p>
             <a:fld id="{C9E664E8-8019-2444-AEBA-CE692A70D4C8}" type="datetimeFigureOut">
               <a:rPr lang="en-US" smtClean="0"/>
-              <a:t>1/27/20</a:t>
+              <a:t>2/2/21</a:t>
             </a:fld>
             <a:endParaRPr lang="en-US"/>
           </a:p>
@@ -3359,7 +3448,7 @@
           <a:p>
             <a:fld id="{C9E664E8-8019-2444-AEBA-CE692A70D4C8}" type="datetimeFigureOut">
               <a:rPr lang="en-US" smtClean="0"/>
-              <a:t>1/27/20</a:t>
+              <a:t>2/2/21</a:t>
             </a:fld>
             <a:endParaRPr lang="en-US"/>
           </a:p>
@@ -3634,7 +3723,7 @@
           <a:p>
             <a:fld id="{C9E664E8-8019-2444-AEBA-CE692A70D4C8}" type="datetimeFigureOut">
               <a:rPr lang="en-US" smtClean="0"/>
-              <a:t>1/27/20</a:t>
+              <a:t>2/2/21</a:t>
             </a:fld>
             <a:endParaRPr lang="en-US"/>
           </a:p>
@@ -3899,7 +3988,7 @@
           <a:p>
             <a:fld id="{C9E664E8-8019-2444-AEBA-CE692A70D4C8}" type="datetimeFigureOut">
               <a:rPr lang="en-US" smtClean="0"/>
-              <a:t>1/27/20</a:t>
+              <a:t>2/2/21</a:t>
             </a:fld>
             <a:endParaRPr lang="en-US"/>
           </a:p>
@@ -4311,7 +4400,7 @@
           <a:p>
             <a:fld id="{C9E664E8-8019-2444-AEBA-CE692A70D4C8}" type="datetimeFigureOut">
               <a:rPr lang="en-US" smtClean="0"/>
-              <a:t>1/27/20</a:t>
+              <a:t>2/2/21</a:t>
             </a:fld>
             <a:endParaRPr lang="en-US"/>
           </a:p>
@@ -4452,7 +4541,7 @@
           <a:p>
             <a:fld id="{C9E664E8-8019-2444-AEBA-CE692A70D4C8}" type="datetimeFigureOut">
               <a:rPr lang="en-US" smtClean="0"/>
-              <a:t>1/27/20</a:t>
+              <a:t>2/2/21</a:t>
             </a:fld>
             <a:endParaRPr lang="en-US"/>
           </a:p>
@@ -4565,7 +4654,7 @@
           <a:p>
             <a:fld id="{C9E664E8-8019-2444-AEBA-CE692A70D4C8}" type="datetimeFigureOut">
               <a:rPr lang="en-US" smtClean="0"/>
-              <a:t>1/27/20</a:t>
+              <a:t>2/2/21</a:t>
             </a:fld>
             <a:endParaRPr lang="en-US"/>
           </a:p>
@@ -4876,7 +4965,7 @@
           <a:p>
             <a:fld id="{C9E664E8-8019-2444-AEBA-CE692A70D4C8}" type="datetimeFigureOut">
               <a:rPr lang="en-US" smtClean="0"/>
-              <a:t>1/27/20</a:t>
+              <a:t>2/2/21</a:t>
             </a:fld>
             <a:endParaRPr lang="en-US"/>
           </a:p>
@@ -5164,7 +5253,7 @@
           <a:p>
             <a:fld id="{C9E664E8-8019-2444-AEBA-CE692A70D4C8}" type="datetimeFigureOut">
               <a:rPr lang="en-US" smtClean="0"/>
-              <a:t>1/27/20</a:t>
+              <a:t>2/2/21</a:t>
             </a:fld>
             <a:endParaRPr lang="en-US"/>
           </a:p>
@@ -5405,7 +5494,7 @@
           <a:p>
             <a:fld id="{C9E664E8-8019-2444-AEBA-CE692A70D4C8}" type="datetimeFigureOut">
               <a:rPr lang="en-US" smtClean="0"/>
-              <a:t>1/27/20</a:t>
+              <a:t>2/2/21</a:t>
             </a:fld>
             <a:endParaRPr lang="en-US"/>
           </a:p>
@@ -5855,7 +5944,7 @@
             </a:br>
             <a:r>
               <a:rPr lang="en-US" sz="3600" dirty="0"/>
-              <a:t>Chapter 4: Measuring Censorship (and Ethics)</a:t>
+              <a:t>Chapter 4: Measuring Censorship</a:t>
             </a:r>
             <a:endParaRPr lang="en-US" sz="4000" dirty="0"/>
           </a:p>
@@ -5917,6 +6006,673 @@
 </file>
 
 <file path=ppt/slides/slide10.xml><?xml version="1.0" encoding="utf-8"?>
+<p:sld xmlns:a="http://schemas.openxmlformats.org/drawingml/2006/main" xmlns:r="http://schemas.openxmlformats.org/officeDocument/2006/relationships" xmlns:p="http://schemas.openxmlformats.org/presentationml/2006/main">
+  <p:cSld>
+    <p:spTree>
+      <p:nvGrpSpPr>
+        <p:cNvPr id="1" name=""/>
+        <p:cNvGrpSpPr/>
+        <p:nvPr/>
+      </p:nvGrpSpPr>
+      <p:grpSpPr>
+        <a:xfrm>
+          <a:off x="0" y="0"/>
+          <a:ext cx="0" cy="0"/>
+          <a:chOff x="0" y="0"/>
+          <a:chExt cx="0" cy="0"/>
+        </a:xfrm>
+      </p:grpSpPr>
+      <p:sp>
+        <p:nvSpPr>
+          <p:cNvPr id="2" name="Title 1">
+            <a:extLst>
+              <a:ext uri="{FF2B5EF4-FFF2-40B4-BE49-F238E27FC236}">
+                <a16:creationId xmlns:a16="http://schemas.microsoft.com/office/drawing/2014/main" id="{98CECB21-A8B9-2A46-8D25-BF35EDCD9A6A}"/>
+              </a:ext>
+            </a:extLst>
+          </p:cNvPr>
+          <p:cNvSpPr>
+            <a:spLocks noGrp="1"/>
+          </p:cNvSpPr>
+          <p:nvPr>
+            <p:ph type="ctrTitle"/>
+          </p:nvPr>
+        </p:nvSpPr>
+        <p:spPr/>
+        <p:txBody>
+          <a:bodyPr>
+            <a:normAutofit/>
+          </a:bodyPr>
+          <a:lstStyle/>
+          <a:p>
+            <a:r>
+              <a:rPr lang="en-US" sz="4000" b="1" dirty="0"/>
+              <a:t>Internet Censorship and Online Speech</a:t>
+            </a:r>
+            <a:br>
+              <a:rPr lang="en-US" sz="4000" dirty="0"/>
+            </a:br>
+            <a:r>
+              <a:rPr lang="en-US" sz="3600" dirty="0"/>
+              <a:t>Chapter 4.2: Measuring DNS Manipulation</a:t>
+            </a:r>
+            <a:endParaRPr lang="en-US" sz="4000" dirty="0"/>
+          </a:p>
+        </p:txBody>
+      </p:sp>
+      <p:sp>
+        <p:nvSpPr>
+          <p:cNvPr id="3" name="Subtitle 2">
+            <a:extLst>
+              <a:ext uri="{FF2B5EF4-FFF2-40B4-BE49-F238E27FC236}">
+                <a16:creationId xmlns:a16="http://schemas.microsoft.com/office/drawing/2014/main" id="{F83BB962-F4CC-D04B-91FF-E298F75F47B3}"/>
+              </a:ext>
+            </a:extLst>
+          </p:cNvPr>
+          <p:cNvSpPr>
+            <a:spLocks noGrp="1"/>
+          </p:cNvSpPr>
+          <p:nvPr>
+            <p:ph type="subTitle" idx="1"/>
+          </p:nvPr>
+        </p:nvSpPr>
+        <p:spPr>
+          <a:xfrm>
+            <a:off x="1524000" y="4236352"/>
+            <a:ext cx="9144000" cy="1655762"/>
+          </a:xfrm>
+        </p:spPr>
+        <p:txBody>
+          <a:bodyPr>
+            <a:normAutofit/>
+          </a:bodyPr>
+          <a:lstStyle/>
+          <a:p>
+            <a:r>
+              <a:rPr lang="en-US" sz="3600" dirty="0"/>
+              <a:t>Nick Feamster</a:t>
+            </a:r>
+            <a:br>
+              <a:rPr lang="en-US" sz="3600" dirty="0"/>
+            </a:br>
+            <a:r>
+              <a:rPr lang="en-US" sz="3600" dirty="0"/>
+              <a:t>University of Chicago</a:t>
+            </a:r>
+          </a:p>
+        </p:txBody>
+      </p:sp>
+    </p:spTree>
+    <p:extLst>
+      <p:ext uri="{BB962C8B-B14F-4D97-AF65-F5344CB8AC3E}">
+        <p14:creationId xmlns:p14="http://schemas.microsoft.com/office/powerpoint/2010/main" val="4281004568"/>
+      </p:ext>
+    </p:extLst>
+  </p:cSld>
+  <p:clrMapOvr>
+    <a:masterClrMapping/>
+  </p:clrMapOvr>
+</p:sld>
+</file>
+
+<file path=ppt/slides/slide11.xml><?xml version="1.0" encoding="utf-8"?>
+<p:sld xmlns:a="http://schemas.openxmlformats.org/drawingml/2006/main" xmlns:r="http://schemas.openxmlformats.org/officeDocument/2006/relationships" xmlns:p="http://schemas.openxmlformats.org/presentationml/2006/main">
+  <p:cSld>
+    <p:spTree>
+      <p:nvGrpSpPr>
+        <p:cNvPr id="1" name=""/>
+        <p:cNvGrpSpPr/>
+        <p:nvPr/>
+      </p:nvGrpSpPr>
+      <p:grpSpPr>
+        <a:xfrm>
+          <a:off x="0" y="0"/>
+          <a:ext cx="0" cy="0"/>
+          <a:chOff x="0" y="0"/>
+          <a:chExt cx="0" cy="0"/>
+        </a:xfrm>
+      </p:grpSpPr>
+      <p:sp>
+        <p:nvSpPr>
+          <p:cNvPr id="2" name="Title 1"/>
+          <p:cNvSpPr>
+            <a:spLocks noGrp="1"/>
+          </p:cNvSpPr>
+          <p:nvPr>
+            <p:ph type="title"/>
+          </p:nvPr>
+        </p:nvSpPr>
+        <p:spPr/>
+        <p:txBody>
+          <a:bodyPr/>
+          <a:lstStyle/>
+          <a:p>
+            <a:r>
+              <a:rPr lang="en-US" dirty="0"/>
+              <a:t>Detecting DNS Manipulation</a:t>
+            </a:r>
+          </a:p>
+        </p:txBody>
+      </p:sp>
+      <p:sp>
+        <p:nvSpPr>
+          <p:cNvPr id="3" name="Content Placeholder 2"/>
+          <p:cNvSpPr>
+            <a:spLocks noGrp="1"/>
+          </p:cNvSpPr>
+          <p:nvPr>
+            <p:ph idx="1"/>
+          </p:nvPr>
+        </p:nvSpPr>
+        <p:spPr>
+          <a:xfrm>
+            <a:off x="609600" y="1600205"/>
+            <a:ext cx="10972800" cy="1786583"/>
+          </a:xfrm>
+        </p:spPr>
+        <p:txBody>
+          <a:bodyPr/>
+          <a:lstStyle/>
+          <a:p>
+            <a:r>
+              <a:rPr lang="en-US" sz="3200" b="1" dirty="0" err="1">
+                <a:solidFill>
+                  <a:srgbClr val="C00000"/>
+                </a:solidFill>
+              </a:rPr>
+              <a:t>Strawman</a:t>
+            </a:r>
+            <a:r>
+              <a:rPr lang="en-US" sz="3200" b="1" dirty="0">
+                <a:solidFill>
+                  <a:srgbClr val="C00000"/>
+                </a:solidFill>
+              </a:rPr>
+              <a:t>:</a:t>
+            </a:r>
+            <a:r>
+              <a:rPr lang="en-US" sz="3200" dirty="0"/>
+              <a:t> Find instances where the IP address returned does not agree with the “right answer”.</a:t>
+            </a:r>
+          </a:p>
+          <a:p>
+            <a:r>
+              <a:rPr lang="en-US" sz="3200" b="1" dirty="0">
+                <a:solidFill>
+                  <a:srgbClr val="C00000"/>
+                </a:solidFill>
+              </a:rPr>
+              <a:t>Problem:</a:t>
+            </a:r>
+            <a:r>
+              <a:rPr lang="en-US" sz="3200" b="1" dirty="0">
+                <a:solidFill>
+                  <a:srgbClr val="FF0000"/>
+                </a:solidFill>
+              </a:rPr>
+              <a:t> </a:t>
+            </a:r>
+            <a:r>
+              <a:rPr lang="en-US" sz="3200" dirty="0"/>
+              <a:t>There is not a single right answer…</a:t>
+            </a:r>
+            <a:endParaRPr lang="en-US" sz="3200" b="1" dirty="0"/>
+          </a:p>
+        </p:txBody>
+      </p:sp>
+      <p:pic>
+        <p:nvPicPr>
+          <p:cNvPr id="4" name="Picture 3"/>
+          <p:cNvPicPr>
+            <a:picLocks noChangeAspect="1"/>
+          </p:cNvPicPr>
+          <p:nvPr/>
+        </p:nvPicPr>
+        <p:blipFill>
+          <a:blip r:embed="rId2"/>
+          <a:stretch>
+            <a:fillRect/>
+          </a:stretch>
+        </p:blipFill>
+        <p:spPr>
+          <a:xfrm>
+            <a:off x="1661144" y="3386784"/>
+            <a:ext cx="5261949" cy="2668453"/>
+          </a:xfrm>
+          <a:prstGeom prst="rect">
+            <a:avLst/>
+          </a:prstGeom>
+        </p:spPr>
+      </p:pic>
+      <p:sp>
+        <p:nvSpPr>
+          <p:cNvPr id="5" name="TextBox 4"/>
+          <p:cNvSpPr txBox="1"/>
+          <p:nvPr/>
+        </p:nvSpPr>
+        <p:spPr>
+          <a:xfrm>
+            <a:off x="7876705" y="4128835"/>
+            <a:ext cx="3869204" cy="1487651"/>
+          </a:xfrm>
+          <a:prstGeom prst="rect">
+            <a:avLst/>
+          </a:prstGeom>
+          <a:solidFill>
+            <a:srgbClr val="9ED3D7"/>
+          </a:solidFill>
+        </p:spPr>
+        <p:txBody>
+          <a:bodyPr wrap="square" rtlCol="0">
+            <a:spAutoFit/>
+          </a:bodyPr>
+          <a:lstStyle/>
+          <a:p>
+            <a:r>
+              <a:rPr lang="en-US" sz="2400" dirty="0"/>
+              <a:t>Extreme example: IP addresses returned for </a:t>
+            </a:r>
+            <a:r>
+              <a:rPr lang="en-US" sz="2400" dirty="0" err="1">
+                <a:latin typeface="Courier"/>
+                <a:cs typeface="Courier"/>
+              </a:rPr>
+              <a:t>google.com</a:t>
+            </a:r>
+            <a:r>
+              <a:rPr lang="en-US" sz="2400" dirty="0">
+                <a:latin typeface="Courier"/>
+                <a:cs typeface="Courier"/>
+              </a:rPr>
+              <a:t> </a:t>
+            </a:r>
+            <a:br>
+              <a:rPr lang="en-US" sz="2400" dirty="0">
+                <a:latin typeface="Courier"/>
+                <a:cs typeface="Courier"/>
+              </a:rPr>
+            </a:br>
+            <a:r>
+              <a:rPr lang="en-US" sz="1867" dirty="0">
+                <a:cs typeface="Courier"/>
+              </a:rPr>
+              <a:t>(Katz-Bassett et al.)</a:t>
+            </a:r>
+            <a:endParaRPr lang="en-US" sz="2400" dirty="0">
+              <a:cs typeface="Courier"/>
+            </a:endParaRPr>
+          </a:p>
+        </p:txBody>
+      </p:sp>
+      <p:sp>
+        <p:nvSpPr>
+          <p:cNvPr id="7" name="TextBox 6"/>
+          <p:cNvSpPr txBox="1"/>
+          <p:nvPr/>
+        </p:nvSpPr>
+        <p:spPr>
+          <a:xfrm>
+            <a:off x="609600" y="6160373"/>
+            <a:ext cx="9730117" cy="666977"/>
+          </a:xfrm>
+          <a:prstGeom prst="rect">
+            <a:avLst/>
+          </a:prstGeom>
+        </p:spPr>
+        <p:style>
+          <a:lnRef idx="1">
+            <a:schemeClr val="dk1"/>
+          </a:lnRef>
+          <a:fillRef idx="2">
+            <a:schemeClr val="dk1"/>
+          </a:fillRef>
+          <a:effectRef idx="1">
+            <a:schemeClr val="dk1"/>
+          </a:effectRef>
+          <a:fontRef idx="minor">
+            <a:schemeClr val="dk1"/>
+          </a:fontRef>
+        </p:style>
+        <p:txBody>
+          <a:bodyPr wrap="square" rtlCol="0">
+            <a:spAutoFit/>
+          </a:bodyPr>
+          <a:lstStyle/>
+          <a:p>
+            <a:r>
+              <a:rPr lang="en-US" sz="1867" dirty="0"/>
+              <a:t>Pearce, Paul, et al. "Global Measurement of DNS Manipulation." </a:t>
+            </a:r>
+            <a:r>
+              <a:rPr lang="en-US" sz="1867" i="1" dirty="0"/>
+              <a:t>26th {USENIX} Security Symposium ({USENIX} Security 17)</a:t>
+            </a:r>
+            <a:r>
+              <a:rPr lang="en-US" sz="1867" dirty="0"/>
+              <a:t>. USENIX} Association, 2017.</a:t>
+            </a:r>
+            <a:endParaRPr lang="en-US" sz="1867" b="1" dirty="0">
+              <a:solidFill>
+                <a:srgbClr val="FF0000"/>
+              </a:solidFill>
+            </a:endParaRPr>
+          </a:p>
+        </p:txBody>
+      </p:sp>
+    </p:spTree>
+    <p:extLst>
+      <p:ext uri="{BB962C8B-B14F-4D97-AF65-F5344CB8AC3E}">
+        <p14:creationId xmlns:p14="http://schemas.microsoft.com/office/powerpoint/2010/main" val="1984207832"/>
+      </p:ext>
+    </p:extLst>
+  </p:cSld>
+  <p:clrMapOvr>
+    <a:masterClrMapping/>
+  </p:clrMapOvr>
+  <p:timing>
+    <p:tnLst>
+      <p:par>
+        <p:cTn id="1" dur="indefinite" restart="never" nodeType="tmRoot">
+          <p:childTnLst>
+            <p:seq concurrent="1" nextAc="seek">
+              <p:cTn id="2" dur="indefinite" nodeType="mainSeq">
+                <p:childTnLst>
+                  <p:par>
+                    <p:cTn id="3" fill="hold">
+                      <p:stCondLst>
+                        <p:cond delay="indefinite"/>
+                      </p:stCondLst>
+                      <p:childTnLst>
+                        <p:par>
+                          <p:cTn id="4" fill="hold">
+                            <p:stCondLst>
+                              <p:cond delay="0"/>
+                            </p:stCondLst>
+                            <p:childTnLst>
+                              <p:par>
+                                <p:cTn id="5" presetID="1" presetClass="entr" presetSubtype="0" fill="hold" grpId="0" nodeType="clickEffect">
+                                  <p:stCondLst>
+                                    <p:cond delay="0"/>
+                                  </p:stCondLst>
+                                  <p:childTnLst>
+                                    <p:set>
+                                      <p:cBhvr>
+                                        <p:cTn id="6" dur="1" fill="hold">
+                                          <p:stCondLst>
+                                            <p:cond delay="0"/>
+                                          </p:stCondLst>
+                                        </p:cTn>
+                                        <p:tgtEl>
+                                          <p:spTgt spid="5"/>
+                                        </p:tgtEl>
+                                        <p:attrNameLst>
+                                          <p:attrName>style.visibility</p:attrName>
+                                        </p:attrNameLst>
+                                      </p:cBhvr>
+                                      <p:to>
+                                        <p:strVal val="visible"/>
+                                      </p:to>
+                                    </p:set>
+                                  </p:childTnLst>
+                                </p:cTn>
+                              </p:par>
+                              <p:par>
+                                <p:cTn id="7" presetID="1" presetClass="entr" presetSubtype="0" fill="hold" nodeType="withEffect">
+                                  <p:stCondLst>
+                                    <p:cond delay="0"/>
+                                  </p:stCondLst>
+                                  <p:childTnLst>
+                                    <p:set>
+                                      <p:cBhvr>
+                                        <p:cTn id="8" dur="1" fill="hold">
+                                          <p:stCondLst>
+                                            <p:cond delay="0"/>
+                                          </p:stCondLst>
+                                        </p:cTn>
+                                        <p:tgtEl>
+                                          <p:spTgt spid="4"/>
+                                        </p:tgtEl>
+                                        <p:attrNameLst>
+                                          <p:attrName>style.visibility</p:attrName>
+                                        </p:attrNameLst>
+                                      </p:cBhvr>
+                                      <p:to>
+                                        <p:strVal val="visible"/>
+                                      </p:to>
+                                    </p:set>
+                                  </p:childTnLst>
+                                </p:cTn>
+                              </p:par>
+                            </p:childTnLst>
+                          </p:cTn>
+                        </p:par>
+                      </p:childTnLst>
+                    </p:cTn>
+                  </p:par>
+                </p:childTnLst>
+              </p:cTn>
+              <p:prevCondLst>
+                <p:cond evt="onPrev" delay="0">
+                  <p:tgtEl>
+                    <p:sldTgt/>
+                  </p:tgtEl>
+                </p:cond>
+              </p:prevCondLst>
+              <p:nextCondLst>
+                <p:cond evt="onNext" delay="0">
+                  <p:tgtEl>
+                    <p:sldTgt/>
+                  </p:tgtEl>
+                </p:cond>
+              </p:nextCondLst>
+            </p:seq>
+          </p:childTnLst>
+        </p:cTn>
+      </p:par>
+    </p:tnLst>
+    <p:bldLst>
+      <p:bldP spid="5" grpId="0" animBg="1"/>
+    </p:bldLst>
+  </p:timing>
+</p:sld>
+</file>
+
+<file path=ppt/slides/slide12.xml><?xml version="1.0" encoding="utf-8"?>
+<p:sld xmlns:a="http://schemas.openxmlformats.org/drawingml/2006/main" xmlns:r="http://schemas.openxmlformats.org/officeDocument/2006/relationships" xmlns:p="http://schemas.openxmlformats.org/presentationml/2006/main">
+  <p:cSld>
+    <p:spTree>
+      <p:nvGrpSpPr>
+        <p:cNvPr id="1" name=""/>
+        <p:cNvGrpSpPr/>
+        <p:nvPr/>
+      </p:nvGrpSpPr>
+      <p:grpSpPr>
+        <a:xfrm>
+          <a:off x="0" y="0"/>
+          <a:ext cx="0" cy="0"/>
+          <a:chOff x="0" y="0"/>
+          <a:chExt cx="0" cy="0"/>
+        </a:xfrm>
+      </p:grpSpPr>
+      <p:sp>
+        <p:nvSpPr>
+          <p:cNvPr id="2" name="Title 1"/>
+          <p:cNvSpPr>
+            <a:spLocks noGrp="1"/>
+          </p:cNvSpPr>
+          <p:nvPr>
+            <p:ph type="title"/>
+          </p:nvPr>
+        </p:nvSpPr>
+        <p:spPr/>
+        <p:txBody>
+          <a:bodyPr/>
+          <a:lstStyle/>
+          <a:p>
+            <a:r>
+              <a:rPr lang="en-US" dirty="0"/>
+              <a:t>Type #1: Consistency Metrics</a:t>
+            </a:r>
+          </a:p>
+        </p:txBody>
+      </p:sp>
+      <p:sp>
+        <p:nvSpPr>
+          <p:cNvPr id="3" name="Content Placeholder 2"/>
+          <p:cNvSpPr>
+            <a:spLocks noGrp="1"/>
+          </p:cNvSpPr>
+          <p:nvPr>
+            <p:ph idx="1"/>
+          </p:nvPr>
+        </p:nvSpPr>
+        <p:spPr/>
+        <p:txBody>
+          <a:bodyPr/>
+          <a:lstStyle/>
+          <a:p>
+            <a:r>
+              <a:rPr lang="en-US" dirty="0"/>
+              <a:t>IP Address</a:t>
+            </a:r>
+          </a:p>
+          <a:p>
+            <a:r>
+              <a:rPr lang="en-US" dirty="0"/>
+              <a:t>Autonomous System (“ISP”)</a:t>
+            </a:r>
+          </a:p>
+          <a:p>
+            <a:r>
+              <a:rPr lang="en-US" dirty="0"/>
+              <a:t>HTTP Content returned</a:t>
+            </a:r>
+          </a:p>
+          <a:p>
+            <a:r>
+              <a:rPr lang="en-US" dirty="0"/>
+              <a:t>Consistency of HTTPS certificate</a:t>
+            </a:r>
+          </a:p>
+          <a:p>
+            <a:r>
+              <a:rPr lang="en-US" dirty="0"/>
+              <a:t>Reverse DNS lookup (IP address to name)</a:t>
+            </a:r>
+          </a:p>
+        </p:txBody>
+      </p:sp>
+    </p:spTree>
+    <p:extLst>
+      <p:ext uri="{BB962C8B-B14F-4D97-AF65-F5344CB8AC3E}">
+        <p14:creationId xmlns:p14="http://schemas.microsoft.com/office/powerpoint/2010/main" val="902176760"/>
+      </p:ext>
+    </p:extLst>
+  </p:cSld>
+  <p:clrMapOvr>
+    <a:masterClrMapping/>
+  </p:clrMapOvr>
+</p:sld>
+</file>
+
+<file path=ppt/slides/slide13.xml><?xml version="1.0" encoding="utf-8"?>
+<p:sld xmlns:a="http://schemas.openxmlformats.org/drawingml/2006/main" xmlns:r="http://schemas.openxmlformats.org/officeDocument/2006/relationships" xmlns:p="http://schemas.openxmlformats.org/presentationml/2006/main">
+  <p:cSld>
+    <p:spTree>
+      <p:nvGrpSpPr>
+        <p:cNvPr id="1" name=""/>
+        <p:cNvGrpSpPr/>
+        <p:nvPr/>
+      </p:nvGrpSpPr>
+      <p:grpSpPr>
+        <a:xfrm>
+          <a:off x="0" y="0"/>
+          <a:ext cx="0" cy="0"/>
+          <a:chOff x="0" y="0"/>
+          <a:chExt cx="0" cy="0"/>
+        </a:xfrm>
+      </p:grpSpPr>
+      <p:sp>
+        <p:nvSpPr>
+          <p:cNvPr id="2" name="Title 1"/>
+          <p:cNvSpPr>
+            <a:spLocks noGrp="1"/>
+          </p:cNvSpPr>
+          <p:nvPr>
+            <p:ph type="title"/>
+          </p:nvPr>
+        </p:nvSpPr>
+        <p:spPr/>
+        <p:txBody>
+          <a:bodyPr/>
+          <a:lstStyle/>
+          <a:p>
+            <a:r>
+              <a:rPr lang="en-US" dirty="0"/>
+              <a:t>Type #2: Independently Verifiable Metrics</a:t>
+            </a:r>
+          </a:p>
+        </p:txBody>
+      </p:sp>
+      <p:sp>
+        <p:nvSpPr>
+          <p:cNvPr id="3" name="Content Placeholder 2"/>
+          <p:cNvSpPr>
+            <a:spLocks noGrp="1"/>
+          </p:cNvSpPr>
+          <p:nvPr>
+            <p:ph idx="1"/>
+          </p:nvPr>
+        </p:nvSpPr>
+        <p:spPr/>
+        <p:txBody>
+          <a:bodyPr/>
+          <a:lstStyle/>
+          <a:p>
+            <a:r>
+              <a:rPr lang="en-US" dirty="0"/>
+              <a:t>Content of HTTPS Certificate</a:t>
+            </a:r>
+          </a:p>
+          <a:p>
+            <a:pPr lvl="1"/>
+            <a:r>
+              <a:rPr lang="en-US" dirty="0"/>
+              <a:t>Does the IP address present a correct domain in a valid, browser-trusted certificate</a:t>
+            </a:r>
+          </a:p>
+          <a:p>
+            <a:pPr lvl="1"/>
+            <a:endParaRPr lang="en-US" dirty="0"/>
+          </a:p>
+          <a:p>
+            <a:r>
+              <a:rPr lang="en-US" dirty="0"/>
+              <a:t>Same test, but with certificate fetched with SNI (the domain name)</a:t>
+            </a:r>
+          </a:p>
+          <a:p>
+            <a:endParaRPr lang="en-US" dirty="0"/>
+          </a:p>
+          <a:p>
+            <a:endParaRPr lang="en-US" dirty="0"/>
+          </a:p>
+        </p:txBody>
+      </p:sp>
+    </p:spTree>
+    <p:extLst>
+      <p:ext uri="{BB962C8B-B14F-4D97-AF65-F5344CB8AC3E}">
+        <p14:creationId xmlns:p14="http://schemas.microsoft.com/office/powerpoint/2010/main" val="2588197965"/>
+      </p:ext>
+    </p:extLst>
+  </p:cSld>
+  <p:clrMapOvr>
+    <a:masterClrMapping/>
+  </p:clrMapOvr>
+</p:sld>
+</file>
+
+<file path=ppt/slides/slide14.xml><?xml version="1.0" encoding="utf-8"?>
 <p:sld xmlns:a="http://schemas.openxmlformats.org/drawingml/2006/main" xmlns:r="http://schemas.openxmlformats.org/officeDocument/2006/relationships" xmlns:p="http://schemas.openxmlformats.org/presentationml/2006/main">
   <p:cSld>
     <p:spTree>
@@ -5992,7 +6748,7 @@
 </p:sld>
 </file>
 
-<file path=ppt/slides/slide11.xml><?xml version="1.0" encoding="utf-8"?>
+<file path=ppt/slides/slide15.xml><?xml version="1.0" encoding="utf-8"?>
 <p:sld xmlns:a="http://schemas.openxmlformats.org/drawingml/2006/main" xmlns:r="http://schemas.openxmlformats.org/officeDocument/2006/relationships" xmlns:p="http://schemas.openxmlformats.org/presentationml/2006/main">
   <p:cSld>
     <p:spTree>
@@ -6099,7 +6855,7 @@
 </p:sld>
 </file>
 
-<file path=ppt/slides/slide12.xml><?xml version="1.0" encoding="utf-8"?>
+<file path=ppt/slides/slide16.xml><?xml version="1.0" encoding="utf-8"?>
 <p:sld xmlns:a="http://schemas.openxmlformats.org/drawingml/2006/main" xmlns:r="http://schemas.openxmlformats.org/officeDocument/2006/relationships" xmlns:p="http://schemas.openxmlformats.org/presentationml/2006/main">
   <p:cSld>
     <p:spTree>
@@ -6118,10 +6874,10 @@
       </p:grpSpPr>
       <p:sp>
         <p:nvSpPr>
-          <p:cNvPr id="2" name="Title 1">
+          <p:cNvPr id="3" name="Title 2">
             <a:extLst>
               <a:ext uri="{FF2B5EF4-FFF2-40B4-BE49-F238E27FC236}">
-                <a16:creationId xmlns:a16="http://schemas.microsoft.com/office/drawing/2014/main" id="{0D29E4A0-9610-1641-B56C-42748CA640B1}"/>
+                <a16:creationId xmlns:a16="http://schemas.microsoft.com/office/drawing/2014/main" id="{65BE2826-D93F-B34F-BD4B-84F0965201EB}"/>
               </a:ext>
             </a:extLst>
           </p:cNvPr>
@@ -6132,20 +6888,75 @@
             <p:ph type="title"/>
           </p:nvPr>
         </p:nvSpPr>
-        <p:spPr>
-          <a:xfrm>
-            <a:off x="838200" y="1518516"/>
-            <a:ext cx="10515600" cy="1325563"/>
-          </a:xfrm>
-        </p:spPr>
+        <p:spPr/>
         <p:txBody>
           <a:bodyPr/>
           <a:lstStyle/>
           <a:p>
-            <a:pPr algn="ctr"/>
             <a:r>
               <a:rPr lang="en-US" dirty="0"/>
-              <a:t>Measuring TCP/IP Filtering</a:t>
+              <a:t>Summary</a:t>
+            </a:r>
+          </a:p>
+        </p:txBody>
+      </p:sp>
+      <p:sp>
+        <p:nvSpPr>
+          <p:cNvPr id="4" name="Content Placeholder 3">
+            <a:extLst>
+              <a:ext uri="{FF2B5EF4-FFF2-40B4-BE49-F238E27FC236}">
+                <a16:creationId xmlns:a16="http://schemas.microsoft.com/office/drawing/2014/main" id="{EF880881-B862-9641-8594-2EA90F369BE7}"/>
+              </a:ext>
+            </a:extLst>
+          </p:cNvPr>
+          <p:cNvSpPr>
+            <a:spLocks noGrp="1"/>
+          </p:cNvSpPr>
+          <p:nvPr>
+            <p:ph idx="1"/>
+          </p:nvPr>
+        </p:nvSpPr>
+        <p:spPr/>
+        <p:txBody>
+          <a:bodyPr/>
+          <a:lstStyle/>
+          <a:p>
+            <a:r>
+              <a:rPr lang="en-US" dirty="0"/>
+              <a:t>Inconsistent DNS responses do occur.</a:t>
+            </a:r>
+          </a:p>
+          <a:p>
+            <a:endParaRPr lang="en-US" dirty="0"/>
+          </a:p>
+          <a:p>
+            <a:r>
+              <a:rPr lang="en-US" dirty="0"/>
+              <a:t>Attributing causality (e.g., to overt manipulation) is challenging.</a:t>
+            </a:r>
+          </a:p>
+          <a:p>
+            <a:pPr lvl="1"/>
+            <a:r>
+              <a:rPr lang="en-US" dirty="0"/>
+              <a:t>DNS inherently gives “inconsistent” responses due to localization.</a:t>
+            </a:r>
+          </a:p>
+          <a:p>
+            <a:pPr lvl="1"/>
+            <a:r>
+              <a:rPr lang="en-US" dirty="0"/>
+              <a:t>Responses may differ over time, by ISP, etc.</a:t>
+            </a:r>
+          </a:p>
+          <a:p>
+            <a:pPr lvl="1"/>
+            <a:endParaRPr lang="en-US" dirty="0"/>
+          </a:p>
+          <a:p>
+            <a:r>
+              <a:rPr lang="en-US" dirty="0"/>
+              <a:t>Balance between ethics and representativeness of sample.</a:t>
             </a:r>
           </a:p>
         </p:txBody>
@@ -6153,7 +6964,7 @@
     </p:spTree>
     <p:extLst>
       <p:ext uri="{BB962C8B-B14F-4D97-AF65-F5344CB8AC3E}">
-        <p14:creationId xmlns:p14="http://schemas.microsoft.com/office/powerpoint/2010/main" val="229204025"/>
+        <p14:creationId xmlns:p14="http://schemas.microsoft.com/office/powerpoint/2010/main" val="2549045667"/>
       </p:ext>
     </p:extLst>
   </p:cSld>
@@ -6163,7 +6974,117 @@
 </p:sld>
 </file>
 
-<file path=ppt/slides/slide13.xml><?xml version="1.0" encoding="utf-8"?>
+<file path=ppt/slides/slide17.xml><?xml version="1.0" encoding="utf-8"?>
+<p:sld xmlns:a="http://schemas.openxmlformats.org/drawingml/2006/main" xmlns:r="http://schemas.openxmlformats.org/officeDocument/2006/relationships" xmlns:p="http://schemas.openxmlformats.org/presentationml/2006/main">
+  <p:cSld>
+    <p:spTree>
+      <p:nvGrpSpPr>
+        <p:cNvPr id="1" name=""/>
+        <p:cNvGrpSpPr/>
+        <p:nvPr/>
+      </p:nvGrpSpPr>
+      <p:grpSpPr>
+        <a:xfrm>
+          <a:off x="0" y="0"/>
+          <a:ext cx="0" cy="0"/>
+          <a:chOff x="0" y="0"/>
+          <a:chExt cx="0" cy="0"/>
+        </a:xfrm>
+      </p:grpSpPr>
+      <p:sp>
+        <p:nvSpPr>
+          <p:cNvPr id="2" name="Title 1">
+            <a:extLst>
+              <a:ext uri="{FF2B5EF4-FFF2-40B4-BE49-F238E27FC236}">
+                <a16:creationId xmlns:a16="http://schemas.microsoft.com/office/drawing/2014/main" id="{98CECB21-A8B9-2A46-8D25-BF35EDCD9A6A}"/>
+              </a:ext>
+            </a:extLst>
+          </p:cNvPr>
+          <p:cNvSpPr>
+            <a:spLocks noGrp="1"/>
+          </p:cNvSpPr>
+          <p:nvPr>
+            <p:ph type="ctrTitle"/>
+          </p:nvPr>
+        </p:nvSpPr>
+        <p:spPr/>
+        <p:txBody>
+          <a:bodyPr>
+            <a:normAutofit/>
+          </a:bodyPr>
+          <a:lstStyle/>
+          <a:p>
+            <a:r>
+              <a:rPr lang="en-US" sz="4000" b="1" dirty="0"/>
+              <a:t>Internet Censorship and Online Speech</a:t>
+            </a:r>
+            <a:br>
+              <a:rPr lang="en-US" sz="4000" dirty="0"/>
+            </a:br>
+            <a:r>
+              <a:rPr lang="en-US" sz="3600" dirty="0"/>
+              <a:t>Chapter 4.3: Measuring TCP/IP Censorship</a:t>
+            </a:r>
+            <a:endParaRPr lang="en-US" sz="4000" dirty="0"/>
+          </a:p>
+        </p:txBody>
+      </p:sp>
+      <p:sp>
+        <p:nvSpPr>
+          <p:cNvPr id="3" name="Subtitle 2">
+            <a:extLst>
+              <a:ext uri="{FF2B5EF4-FFF2-40B4-BE49-F238E27FC236}">
+                <a16:creationId xmlns:a16="http://schemas.microsoft.com/office/drawing/2014/main" id="{F83BB962-F4CC-D04B-91FF-E298F75F47B3}"/>
+              </a:ext>
+            </a:extLst>
+          </p:cNvPr>
+          <p:cNvSpPr>
+            <a:spLocks noGrp="1"/>
+          </p:cNvSpPr>
+          <p:nvPr>
+            <p:ph type="subTitle" idx="1"/>
+          </p:nvPr>
+        </p:nvSpPr>
+        <p:spPr>
+          <a:xfrm>
+            <a:off x="1524000" y="4236352"/>
+            <a:ext cx="9144000" cy="1655762"/>
+          </a:xfrm>
+        </p:spPr>
+        <p:txBody>
+          <a:bodyPr>
+            <a:normAutofit/>
+          </a:bodyPr>
+          <a:lstStyle/>
+          <a:p>
+            <a:r>
+              <a:rPr lang="en-US" sz="3600" dirty="0"/>
+              <a:t>Nick Feamster</a:t>
+            </a:r>
+            <a:br>
+              <a:rPr lang="en-US" sz="3600" dirty="0"/>
+            </a:br>
+            <a:r>
+              <a:rPr lang="en-US" sz="3600" dirty="0"/>
+              <a:t>University of Chicago</a:t>
+            </a:r>
+          </a:p>
+        </p:txBody>
+      </p:sp>
+    </p:spTree>
+    <p:extLst>
+      <p:ext uri="{BB962C8B-B14F-4D97-AF65-F5344CB8AC3E}">
+        <p14:creationId xmlns:p14="http://schemas.microsoft.com/office/powerpoint/2010/main" val="4177427132"/>
+      </p:ext>
+    </p:extLst>
+  </p:cSld>
+  <p:clrMapOvr>
+    <a:masterClrMapping/>
+  </p:clrMapOvr>
+</p:sld>
+</file>
+
+<file path=ppt/slides/slide18.xml><?xml version="1.0" encoding="utf-8"?>
 <p:sld xmlns:a="http://schemas.openxmlformats.org/drawingml/2006/main" xmlns:r="http://schemas.openxmlformats.org/officeDocument/2006/relationships" xmlns:p="http://schemas.openxmlformats.org/presentationml/2006/main">
   <p:cSld>
     <p:spTree>
@@ -6399,7 +7320,7 @@
             <a:fld id="{00000000-1234-1234-1234-123412341234}" type="slidenum">
               <a:rPr lang="en"/>
               <a:pPr/>
-              <a:t>13</a:t>
+              <a:t>18</a:t>
             </a:fld>
             <a:endParaRPr lang="en"/>
           </a:p>
@@ -6473,7 +7394,7 @@
 </p:sld>
 </file>
 
-<file path=ppt/slides/slide14.xml><?xml version="1.0" encoding="utf-8"?>
+<file path=ppt/slides/slide19.xml><?xml version="1.0" encoding="utf-8"?>
 <p:sld xmlns:a="http://schemas.openxmlformats.org/drawingml/2006/main" xmlns:r="http://schemas.openxmlformats.org/officeDocument/2006/relationships" xmlns:p="http://schemas.openxmlformats.org/presentationml/2006/main">
   <p:cSld>
     <p:spTree>
@@ -6808,7 +7729,117 @@
 </p:sld>
 </file>
 
-<file path=ppt/slides/slide15.xml><?xml version="1.0" encoding="utf-8"?>
+<file path=ppt/slides/slide2.xml><?xml version="1.0" encoding="utf-8"?>
+<p:sld xmlns:a="http://schemas.openxmlformats.org/drawingml/2006/main" xmlns:r="http://schemas.openxmlformats.org/officeDocument/2006/relationships" xmlns:p="http://schemas.openxmlformats.org/presentationml/2006/main">
+  <p:cSld>
+    <p:spTree>
+      <p:nvGrpSpPr>
+        <p:cNvPr id="1" name=""/>
+        <p:cNvGrpSpPr/>
+        <p:nvPr/>
+      </p:nvGrpSpPr>
+      <p:grpSpPr>
+        <a:xfrm>
+          <a:off x="0" y="0"/>
+          <a:ext cx="0" cy="0"/>
+          <a:chOff x="0" y="0"/>
+          <a:chExt cx="0" cy="0"/>
+        </a:xfrm>
+      </p:grpSpPr>
+      <p:sp>
+        <p:nvSpPr>
+          <p:cNvPr id="2" name="Title 1">
+            <a:extLst>
+              <a:ext uri="{FF2B5EF4-FFF2-40B4-BE49-F238E27FC236}">
+                <a16:creationId xmlns:a16="http://schemas.microsoft.com/office/drawing/2014/main" id="{98CECB21-A8B9-2A46-8D25-BF35EDCD9A6A}"/>
+              </a:ext>
+            </a:extLst>
+          </p:cNvPr>
+          <p:cNvSpPr>
+            <a:spLocks noGrp="1"/>
+          </p:cNvSpPr>
+          <p:nvPr>
+            <p:ph type="ctrTitle"/>
+          </p:nvPr>
+        </p:nvSpPr>
+        <p:spPr/>
+        <p:txBody>
+          <a:bodyPr>
+            <a:normAutofit/>
+          </a:bodyPr>
+          <a:lstStyle/>
+          <a:p>
+            <a:r>
+              <a:rPr lang="en-US" sz="4000" b="1" dirty="0"/>
+              <a:t>Internet Censorship and Online Speech</a:t>
+            </a:r>
+            <a:br>
+              <a:rPr lang="en-US" sz="4000" dirty="0"/>
+            </a:br>
+            <a:r>
+              <a:rPr lang="en-US" sz="3600" dirty="0"/>
+              <a:t>Chapter 4.1: Why Measure Censorship?</a:t>
+            </a:r>
+            <a:endParaRPr lang="en-US" sz="4000" dirty="0"/>
+          </a:p>
+        </p:txBody>
+      </p:sp>
+      <p:sp>
+        <p:nvSpPr>
+          <p:cNvPr id="3" name="Subtitle 2">
+            <a:extLst>
+              <a:ext uri="{FF2B5EF4-FFF2-40B4-BE49-F238E27FC236}">
+                <a16:creationId xmlns:a16="http://schemas.microsoft.com/office/drawing/2014/main" id="{F83BB962-F4CC-D04B-91FF-E298F75F47B3}"/>
+              </a:ext>
+            </a:extLst>
+          </p:cNvPr>
+          <p:cNvSpPr>
+            <a:spLocks noGrp="1"/>
+          </p:cNvSpPr>
+          <p:nvPr>
+            <p:ph type="subTitle" idx="1"/>
+          </p:nvPr>
+        </p:nvSpPr>
+        <p:spPr>
+          <a:xfrm>
+            <a:off x="1524000" y="4236352"/>
+            <a:ext cx="9144000" cy="1655762"/>
+          </a:xfrm>
+        </p:spPr>
+        <p:txBody>
+          <a:bodyPr>
+            <a:normAutofit/>
+          </a:bodyPr>
+          <a:lstStyle/>
+          <a:p>
+            <a:r>
+              <a:rPr lang="en-US" sz="3600" dirty="0"/>
+              <a:t>Nick Feamster</a:t>
+            </a:r>
+            <a:br>
+              <a:rPr lang="en-US" sz="3600" dirty="0"/>
+            </a:br>
+            <a:r>
+              <a:rPr lang="en-US" sz="3600" dirty="0"/>
+              <a:t>University of Chicago</a:t>
+            </a:r>
+          </a:p>
+        </p:txBody>
+      </p:sp>
+    </p:spTree>
+    <p:extLst>
+      <p:ext uri="{BB962C8B-B14F-4D97-AF65-F5344CB8AC3E}">
+        <p14:creationId xmlns:p14="http://schemas.microsoft.com/office/powerpoint/2010/main" val="2872789748"/>
+      </p:ext>
+    </p:extLst>
+  </p:cSld>
+  <p:clrMapOvr>
+    <a:masterClrMapping/>
+  </p:clrMapOvr>
+</p:sld>
+</file>
+
+<file path=ppt/slides/slide20.xml><?xml version="1.0" encoding="utf-8"?>
 <p:sld xmlns:a="http://schemas.openxmlformats.org/drawingml/2006/main" xmlns:r="http://schemas.openxmlformats.org/officeDocument/2006/relationships" xmlns:p="http://schemas.openxmlformats.org/presentationml/2006/main">
   <p:cSld>
     <p:spTree>
@@ -7033,7 +8064,7 @@
 </p:sld>
 </file>
 
-<file path=ppt/slides/slide16.xml><?xml version="1.0" encoding="utf-8"?>
+<file path=ppt/slides/slide21.xml><?xml version="1.0" encoding="utf-8"?>
 <p:sld xmlns:a="http://schemas.openxmlformats.org/drawingml/2006/main" xmlns:r="http://schemas.openxmlformats.org/officeDocument/2006/relationships" xmlns:p="http://schemas.openxmlformats.org/presentationml/2006/main">
   <p:cSld>
     <p:spTree>
@@ -7328,7 +8359,7 @@
 </p:sld>
 </file>
 
-<file path=ppt/slides/slide17.xml><?xml version="1.0" encoding="utf-8"?>
+<file path=ppt/slides/slide22.xml><?xml version="1.0" encoding="utf-8"?>
 <p:sld xmlns:a="http://schemas.openxmlformats.org/drawingml/2006/main" xmlns:r="http://schemas.openxmlformats.org/officeDocument/2006/relationships" xmlns:p="http://schemas.openxmlformats.org/presentationml/2006/main">
   <p:cSld>
     <p:spTree>
@@ -7491,7 +8522,7 @@
 </p:sld>
 </file>
 
-<file path=ppt/slides/slide18.xml><?xml version="1.0" encoding="utf-8"?>
+<file path=ppt/slides/slide23.xml><?xml version="1.0" encoding="utf-8"?>
 <p:sld xmlns:a="http://schemas.openxmlformats.org/drawingml/2006/main" xmlns:r="http://schemas.openxmlformats.org/officeDocument/2006/relationships" xmlns:p="http://schemas.openxmlformats.org/presentationml/2006/main">
   <p:cSld>
     <p:spTree>
@@ -7588,7 +8619,7 @@
 </p:sld>
 </file>
 
-<file path=ppt/slides/slide19.xml><?xml version="1.0" encoding="utf-8"?>
+<file path=ppt/slides/slide24.xml><?xml version="1.0" encoding="utf-8"?>
 <p:sld xmlns:a="http://schemas.openxmlformats.org/drawingml/2006/main" xmlns:r="http://schemas.openxmlformats.org/officeDocument/2006/relationships" xmlns:p="http://schemas.openxmlformats.org/presentationml/2006/main">
   <p:cSld>
     <p:spTree>
@@ -7664,93 +8695,7 @@
 </p:sld>
 </file>
 
-<file path=ppt/slides/slide2.xml><?xml version="1.0" encoding="utf-8"?>
-<p:sld xmlns:a="http://schemas.openxmlformats.org/drawingml/2006/main" xmlns:r="http://schemas.openxmlformats.org/officeDocument/2006/relationships" xmlns:p="http://schemas.openxmlformats.org/presentationml/2006/main">
-  <p:cSld>
-    <p:spTree>
-      <p:nvGrpSpPr>
-        <p:cNvPr id="1" name=""/>
-        <p:cNvGrpSpPr/>
-        <p:nvPr/>
-      </p:nvGrpSpPr>
-      <p:grpSpPr>
-        <a:xfrm>
-          <a:off x="0" y="0"/>
-          <a:ext cx="0" cy="0"/>
-          <a:chOff x="0" y="0"/>
-          <a:chExt cx="0" cy="0"/>
-        </a:xfrm>
-      </p:grpSpPr>
-      <p:sp>
-        <p:nvSpPr>
-          <p:cNvPr id="2" name="Title 1">
-            <a:extLst>
-              <a:ext uri="{FF2B5EF4-FFF2-40B4-BE49-F238E27FC236}">
-                <a16:creationId xmlns:a16="http://schemas.microsoft.com/office/drawing/2014/main" id="{3D2C292A-3A46-2345-A6FE-860DB5AB92AC}"/>
-              </a:ext>
-            </a:extLst>
-          </p:cNvPr>
-          <p:cNvSpPr>
-            <a:spLocks noGrp="1"/>
-          </p:cNvSpPr>
-          <p:nvPr>
-            <p:ph type="title"/>
-          </p:nvPr>
-        </p:nvSpPr>
-        <p:spPr/>
-        <p:txBody>
-          <a:bodyPr/>
-          <a:lstStyle/>
-          <a:p>
-            <a:r>
-              <a:rPr lang="en-US" dirty="0"/>
-              <a:t>Why Measure Internet Censorship?</a:t>
-            </a:r>
-          </a:p>
-        </p:txBody>
-      </p:sp>
-      <p:sp>
-        <p:nvSpPr>
-          <p:cNvPr id="3" name="Content Placeholder 2">
-            <a:extLst>
-              <a:ext uri="{FF2B5EF4-FFF2-40B4-BE49-F238E27FC236}">
-                <a16:creationId xmlns:a16="http://schemas.microsoft.com/office/drawing/2014/main" id="{8B432EB6-0299-6A4F-B6F3-15C45F6B2CC9}"/>
-              </a:ext>
-            </a:extLst>
-          </p:cNvPr>
-          <p:cNvSpPr>
-            <a:spLocks noGrp="1"/>
-          </p:cNvSpPr>
-          <p:nvPr>
-            <p:ph idx="1"/>
-          </p:nvPr>
-        </p:nvSpPr>
-        <p:spPr/>
-        <p:txBody>
-          <a:bodyPr/>
-          <a:lstStyle/>
-          <a:p>
-            <a:r>
-              <a:rPr lang="en-US" dirty="0"/>
-              <a:t>…</a:t>
-            </a:r>
-          </a:p>
-        </p:txBody>
-      </p:sp>
-    </p:spTree>
-    <p:extLst>
-      <p:ext uri="{BB962C8B-B14F-4D97-AF65-F5344CB8AC3E}">
-        <p14:creationId xmlns:p14="http://schemas.microsoft.com/office/powerpoint/2010/main" val="3267063975"/>
-      </p:ext>
-    </p:extLst>
-  </p:cSld>
-  <p:clrMapOvr>
-    <a:masterClrMapping/>
-  </p:clrMapOvr>
-</p:sld>
-</file>
-
-<file path=ppt/slides/slide20.xml><?xml version="1.0" encoding="utf-8"?>
+<file path=ppt/slides/slide25.xml><?xml version="1.0" encoding="utf-8"?>
 <p:sld xmlns:a="http://schemas.openxmlformats.org/drawingml/2006/main" xmlns:r="http://schemas.openxmlformats.org/officeDocument/2006/relationships" xmlns:p="http://schemas.openxmlformats.org/presentationml/2006/main">
   <p:cSld>
     <p:spTree>
@@ -7826,7 +8771,7 @@
 </p:sld>
 </file>
 
-<file path=ppt/slides/slide21.xml><?xml version="1.0" encoding="utf-8"?>
+<file path=ppt/slides/slide26.xml><?xml version="1.0" encoding="utf-8"?>
 <p:sld xmlns:a="http://schemas.openxmlformats.org/drawingml/2006/main" xmlns:r="http://schemas.openxmlformats.org/officeDocument/2006/relationships" xmlns:p="http://schemas.openxmlformats.org/presentationml/2006/main">
   <p:cSld>
     <p:spTree>
@@ -7880,7 +8825,7 @@
 </p:sld>
 </file>
 
-<file path=ppt/slides/slide22.xml><?xml version="1.0" encoding="utf-8"?>
+<file path=ppt/slides/slide27.xml><?xml version="1.0" encoding="utf-8"?>
 <p:sld xmlns:a="http://schemas.openxmlformats.org/drawingml/2006/main" xmlns:r="http://schemas.openxmlformats.org/officeDocument/2006/relationships" xmlns:p="http://schemas.openxmlformats.org/presentationml/2006/main">
   <p:cSld>
     <p:spTree>
@@ -7902,7 +8847,7 @@
           <p:cNvPr id="2" name="Title 1">
             <a:extLst>
               <a:ext uri="{FF2B5EF4-FFF2-40B4-BE49-F238E27FC236}">
-                <a16:creationId xmlns:a16="http://schemas.microsoft.com/office/drawing/2014/main" id="{1236C0D1-A67A-044F-B68C-6B85B955AA99}"/>
+                <a16:creationId xmlns:a16="http://schemas.microsoft.com/office/drawing/2014/main" id="{98CECB21-A8B9-2A46-8D25-BF35EDCD9A6A}"/>
               </a:ext>
             </a:extLst>
           </p:cNvPr>
@@ -7910,23 +8855,69 @@
             <a:spLocks noGrp="1"/>
           </p:cNvSpPr>
           <p:nvPr>
-            <p:ph type="title"/>
+            <p:ph type="ctrTitle"/>
+          </p:nvPr>
+        </p:nvSpPr>
+        <p:spPr/>
+        <p:txBody>
+          <a:bodyPr>
+            <a:normAutofit/>
+          </a:bodyPr>
+          <a:lstStyle/>
+          <a:p>
+            <a:r>
+              <a:rPr lang="en-US" sz="4000" b="1" dirty="0"/>
+              <a:t>Internet Censorship and Online Speech</a:t>
+            </a:r>
+            <a:br>
+              <a:rPr lang="en-US" sz="4000" dirty="0"/>
+            </a:br>
+            <a:r>
+              <a:rPr lang="en-US" sz="3600" dirty="0"/>
+              <a:t>Chapter 4.4: Measuring Web Filtering</a:t>
+            </a:r>
+            <a:endParaRPr lang="en-US" sz="4000" dirty="0"/>
+          </a:p>
+        </p:txBody>
+      </p:sp>
+      <p:sp>
+        <p:nvSpPr>
+          <p:cNvPr id="3" name="Subtitle 2">
+            <a:extLst>
+              <a:ext uri="{FF2B5EF4-FFF2-40B4-BE49-F238E27FC236}">
+                <a16:creationId xmlns:a16="http://schemas.microsoft.com/office/drawing/2014/main" id="{F83BB962-F4CC-D04B-91FF-E298F75F47B3}"/>
+              </a:ext>
+            </a:extLst>
+          </p:cNvPr>
+          <p:cNvSpPr>
+            <a:spLocks noGrp="1"/>
+          </p:cNvSpPr>
+          <p:nvPr>
+            <p:ph type="subTitle" idx="1"/>
           </p:nvPr>
         </p:nvSpPr>
         <p:spPr>
           <a:xfrm>
-            <a:off x="838200" y="1708733"/>
-            <a:ext cx="10515600" cy="1325563"/>
+            <a:off x="1524000" y="4236352"/>
+            <a:ext cx="9144000" cy="1655762"/>
           </a:xfrm>
         </p:spPr>
         <p:txBody>
-          <a:bodyPr/>
-          <a:lstStyle/>
-          <a:p>
-            <a:pPr algn="ctr"/>
-            <a:r>
-              <a:rPr lang="en-US" dirty="0"/>
-              <a:t>Measuring Web Filtering</a:t>
+          <a:bodyPr>
+            <a:normAutofit/>
+          </a:bodyPr>
+          <a:lstStyle/>
+          <a:p>
+            <a:r>
+              <a:rPr lang="en-US" sz="3600" dirty="0"/>
+              <a:t>Nick Feamster</a:t>
+            </a:r>
+            <a:br>
+              <a:rPr lang="en-US" sz="3600" dirty="0"/>
+            </a:br>
+            <a:r>
+              <a:rPr lang="en-US" sz="3600" dirty="0"/>
+              <a:t>University of Chicago</a:t>
             </a:r>
           </a:p>
         </p:txBody>
@@ -7934,7 +8925,7 @@
     </p:spTree>
     <p:extLst>
       <p:ext uri="{BB962C8B-B14F-4D97-AF65-F5344CB8AC3E}">
-        <p14:creationId xmlns:p14="http://schemas.microsoft.com/office/powerpoint/2010/main" val="3656325345"/>
+        <p14:creationId xmlns:p14="http://schemas.microsoft.com/office/powerpoint/2010/main" val="3638019541"/>
       </p:ext>
     </p:extLst>
   </p:cSld>
@@ -7944,7 +8935,7 @@
 </p:sld>
 </file>
 
-<file path=ppt/slides/slide23.xml><?xml version="1.0" encoding="utf-8"?>
+<file path=ppt/slides/slide28.xml><?xml version="1.0" encoding="utf-8"?>
 <p:sld xmlns:a="http://schemas.openxmlformats.org/drawingml/2006/main" xmlns:r="http://schemas.openxmlformats.org/officeDocument/2006/relationships" xmlns:p="http://schemas.openxmlformats.org/presentationml/2006/main">
   <p:cSld>
     <p:spTree>
@@ -8021,7 +9012,7 @@
             <a:fld id="{00000000-1234-1234-1234-123412341234}" type="slidenum">
               <a:rPr lang="en"/>
               <a:pPr/>
-              <a:t>23</a:t>
+              <a:t>28</a:t>
             </a:fld>
             <a:endParaRPr lang="en"/>
           </a:p>
@@ -8997,7 +9988,7 @@
 </p:sld>
 </file>
 
-<file path=ppt/slides/slide24.xml><?xml version="1.0" encoding="utf-8"?>
+<file path=ppt/slides/slide29.xml><?xml version="1.0" encoding="utf-8"?>
 <p:sld xmlns:a="http://schemas.openxmlformats.org/drawingml/2006/main" xmlns:r="http://schemas.openxmlformats.org/officeDocument/2006/relationships" xmlns:p="http://schemas.openxmlformats.org/presentationml/2006/main">
   <p:cSld>
     <p:spTree>
@@ -9171,7 +10162,7 @@
             <a:fld id="{00000000-1234-1234-1234-123412341234}" type="slidenum">
               <a:rPr lang="en"/>
               <a:pPr/>
-              <a:t>24</a:t>
+              <a:t>29</a:t>
             </a:fld>
             <a:endParaRPr lang="en"/>
           </a:p>
@@ -9190,706 +10181,6 @@
   <p:transition spd="slow">
     <p:cut/>
   </p:transition>
-</p:sld>
-</file>
-
-<file path=ppt/slides/slide25.xml><?xml version="1.0" encoding="utf-8"?>
-<p:sld xmlns:a="http://schemas.openxmlformats.org/drawingml/2006/main" xmlns:r="http://schemas.openxmlformats.org/officeDocument/2006/relationships" xmlns:p="http://schemas.openxmlformats.org/presentationml/2006/main">
-  <p:cSld>
-    <p:spTree>
-      <p:nvGrpSpPr>
-        <p:cNvPr id="1" name="Shape 269"/>
-        <p:cNvGrpSpPr/>
-        <p:nvPr/>
-      </p:nvGrpSpPr>
-      <p:grpSpPr>
-        <a:xfrm>
-          <a:off x="0" y="0"/>
-          <a:ext cx="0" cy="0"/>
-          <a:chOff x="0" y="0"/>
-          <a:chExt cx="0" cy="0"/>
-        </a:xfrm>
-      </p:grpSpPr>
-      <p:sp>
-        <p:nvSpPr>
-          <p:cNvPr id="270" name="Shape 270"/>
-          <p:cNvSpPr txBox="1">
-            <a:spLocks noGrp="1"/>
-          </p:cNvSpPr>
-          <p:nvPr>
-            <p:ph type="title"/>
-          </p:nvPr>
-        </p:nvSpPr>
-        <p:spPr>
-          <a:xfrm>
-            <a:off x="609600" y="274637"/>
-            <a:ext cx="10972800" cy="1143200"/>
-          </a:xfrm>
-          <a:prstGeom prst="rect">
-            <a:avLst/>
-          </a:prstGeom>
-        </p:spPr>
-        <p:txBody>
-          <a:bodyPr vert="horz" lIns="121900" tIns="121900" rIns="121900" bIns="121900" rtlCol="0" anchor="b" anchorCtr="0">
-            <a:noAutofit/>
-          </a:bodyPr>
-          <a:lstStyle/>
-          <a:p>
-            <a:r>
-              <a:rPr lang="en" dirty="0"/>
-              <a:t>Encore Doesn’t Need to Read Data</a:t>
-            </a:r>
-          </a:p>
-        </p:txBody>
-      </p:sp>
-      <p:sp>
-        <p:nvSpPr>
-          <p:cNvPr id="271" name="Shape 271"/>
-          <p:cNvSpPr txBox="1">
-            <a:spLocks noGrp="1"/>
-          </p:cNvSpPr>
-          <p:nvPr>
-            <p:ph type="body" idx="1"/>
-          </p:nvPr>
-        </p:nvSpPr>
-        <p:spPr>
-          <a:xfrm>
-            <a:off x="609600" y="1600201"/>
-            <a:ext cx="10972800" cy="4967599"/>
-          </a:xfrm>
-          <a:prstGeom prst="rect">
-            <a:avLst/>
-          </a:prstGeom>
-        </p:spPr>
-        <p:txBody>
-          <a:bodyPr vert="horz" lIns="121900" tIns="121900" rIns="121900" bIns="121900" rtlCol="0" anchor="t" anchorCtr="0">
-            <a:noAutofit/>
-          </a:bodyPr>
-          <a:lstStyle/>
-          <a:p>
-            <a:pPr marL="609585" indent="-304792"/>
-            <a:r>
-              <a:rPr lang="en"/>
-              <a:t>It only needs to know whether a URL loaded.</a:t>
-            </a:r>
-          </a:p>
-          <a:p>
-            <a:pPr marL="609585" indent="-304792"/>
-            <a:r>
-              <a:rPr lang="en"/>
-              <a:t>Restrictions on resource embedding are looser.</a:t>
-            </a:r>
-          </a:p>
-          <a:p>
-            <a:pPr>
-              <a:buNone/>
-            </a:pPr>
-            <a:endParaRPr/>
-          </a:p>
-          <a:p>
-            <a:pPr>
-              <a:buNone/>
-            </a:pPr>
-            <a:r>
-              <a:rPr lang="en"/>
-              <a:t>Examples:</a:t>
-            </a:r>
-          </a:p>
-          <a:p>
-            <a:pPr marL="609585" indent="-304792"/>
-            <a:r>
-              <a:rPr lang="en"/>
-              <a:t>Images with </a:t>
-            </a:r>
-            <a:r>
-              <a:rPr lang="en">
-                <a:latin typeface="Consolas"/>
-                <a:ea typeface="Consolas"/>
-                <a:cs typeface="Consolas"/>
-                <a:sym typeface="Consolas"/>
-              </a:rPr>
-              <a:t>&lt;img&gt;</a:t>
-            </a:r>
-          </a:p>
-          <a:p>
-            <a:pPr marL="609585" indent="-304792"/>
-            <a:r>
-              <a:rPr lang="en"/>
-              <a:t>Style sheets with </a:t>
-            </a:r>
-            <a:r>
-              <a:rPr lang="en">
-                <a:latin typeface="Consolas"/>
-                <a:ea typeface="Consolas"/>
-                <a:cs typeface="Consolas"/>
-                <a:sym typeface="Consolas"/>
-              </a:rPr>
-              <a:t>&lt;style&gt;</a:t>
-            </a:r>
-          </a:p>
-          <a:p>
-            <a:pPr marL="609585" indent="-304792"/>
-            <a:r>
-              <a:rPr lang="en"/>
-              <a:t>Arbitrary content with </a:t>
-            </a:r>
-            <a:r>
-              <a:rPr lang="en">
-                <a:latin typeface="Consolas"/>
-                <a:ea typeface="Consolas"/>
-                <a:cs typeface="Consolas"/>
-                <a:sym typeface="Consolas"/>
-              </a:rPr>
-              <a:t>&lt;iframe&gt;</a:t>
-            </a:r>
-          </a:p>
-        </p:txBody>
-      </p:sp>
-      <p:sp>
-        <p:nvSpPr>
-          <p:cNvPr id="272" name="Shape 272"/>
-          <p:cNvSpPr txBox="1">
-            <a:spLocks noGrp="1"/>
-          </p:cNvSpPr>
-          <p:nvPr>
-            <p:ph type="sldNum" idx="12"/>
-          </p:nvPr>
-        </p:nvSpPr>
-        <p:spPr>
-          <a:xfrm>
-            <a:off x="11409055" y="6333133"/>
-            <a:ext cx="731599" cy="524800"/>
-          </a:xfrm>
-          <a:prstGeom prst="rect">
-            <a:avLst/>
-          </a:prstGeom>
-        </p:spPr>
-        <p:txBody>
-          <a:bodyPr vert="horz" lIns="121900" tIns="121900" rIns="121900" bIns="121900" rtlCol="0" anchor="ctr" anchorCtr="0">
-            <a:noAutofit/>
-          </a:bodyPr>
-          <a:lstStyle/>
-          <a:p>
-            <a:fld id="{00000000-1234-1234-1234-123412341234}" type="slidenum">
-              <a:rPr lang="en"/>
-              <a:pPr/>
-              <a:t>25</a:t>
-            </a:fld>
-            <a:endParaRPr lang="en"/>
-          </a:p>
-        </p:txBody>
-      </p:sp>
-    </p:spTree>
-    <p:extLst>
-      <p:ext uri="{BB962C8B-B14F-4D97-AF65-F5344CB8AC3E}">
-        <p14:creationId xmlns:p14="http://schemas.microsoft.com/office/powerpoint/2010/main" val="3504588005"/>
-      </p:ext>
-    </p:extLst>
-  </p:cSld>
-  <p:clrMapOvr>
-    <a:masterClrMapping/>
-  </p:clrMapOvr>
-  <p:transition spd="slow">
-    <p:cut/>
-  </p:transition>
-</p:sld>
-</file>
-
-<file path=ppt/slides/slide26.xml><?xml version="1.0" encoding="utf-8"?>
-<p:sld xmlns:a="http://schemas.openxmlformats.org/drawingml/2006/main" xmlns:r="http://schemas.openxmlformats.org/officeDocument/2006/relationships" xmlns:p="http://schemas.openxmlformats.org/presentationml/2006/main">
-  <p:cSld>
-    <p:spTree>
-      <p:nvGrpSpPr>
-        <p:cNvPr id="1" name=""/>
-        <p:cNvGrpSpPr/>
-        <p:nvPr/>
-      </p:nvGrpSpPr>
-      <p:grpSpPr>
-        <a:xfrm>
-          <a:off x="0" y="0"/>
-          <a:ext cx="0" cy="0"/>
-          <a:chOff x="0" y="0"/>
-          <a:chExt cx="0" cy="0"/>
-        </a:xfrm>
-      </p:grpSpPr>
-      <p:sp>
-        <p:nvSpPr>
-          <p:cNvPr id="2" name="Title 1">
-            <a:extLst>
-              <a:ext uri="{FF2B5EF4-FFF2-40B4-BE49-F238E27FC236}">
-                <a16:creationId xmlns:a16="http://schemas.microsoft.com/office/drawing/2014/main" id="{25FEBB96-4F22-7C45-8BD3-5BD7FD375670}"/>
-              </a:ext>
-            </a:extLst>
-          </p:cNvPr>
-          <p:cNvSpPr>
-            <a:spLocks noGrp="1"/>
-          </p:cNvSpPr>
-          <p:nvPr>
-            <p:ph type="title"/>
-          </p:nvPr>
-        </p:nvSpPr>
-        <p:spPr/>
-        <p:txBody>
-          <a:bodyPr/>
-          <a:lstStyle/>
-          <a:p>
-            <a:r>
-              <a:rPr lang="en-US" dirty="0"/>
-              <a:t>Additional Resources/Data</a:t>
-            </a:r>
-          </a:p>
-        </p:txBody>
-      </p:sp>
-      <p:sp>
-        <p:nvSpPr>
-          <p:cNvPr id="3" name="Content Placeholder 2">
-            <a:extLst>
-              <a:ext uri="{FF2B5EF4-FFF2-40B4-BE49-F238E27FC236}">
-                <a16:creationId xmlns:a16="http://schemas.microsoft.com/office/drawing/2014/main" id="{D64A9AD2-1467-FC4A-9BD7-540D4C2982A7}"/>
-              </a:ext>
-            </a:extLst>
-          </p:cNvPr>
-          <p:cNvSpPr>
-            <a:spLocks noGrp="1"/>
-          </p:cNvSpPr>
-          <p:nvPr>
-            <p:ph idx="1"/>
-          </p:nvPr>
-        </p:nvSpPr>
-        <p:spPr/>
-        <p:txBody>
-          <a:bodyPr/>
-          <a:lstStyle/>
-          <a:p>
-            <a:r>
-              <a:rPr lang="en-US" dirty="0"/>
-              <a:t>Internet Censorship Lab (</a:t>
-            </a:r>
-            <a:r>
-              <a:rPr lang="en-US" dirty="0" err="1"/>
-              <a:t>ICLab</a:t>
-            </a:r>
-            <a:r>
-              <a:rPr lang="en-US" dirty="0"/>
-              <a:t>)</a:t>
-            </a:r>
-            <a:br>
-              <a:rPr lang="en-US" dirty="0"/>
-            </a:br>
-            <a:r>
-              <a:rPr lang="en-US" dirty="0">
-                <a:hlinkClick r:id="rId2"/>
-              </a:rPr>
-              <a:t>https://iclab.org/</a:t>
-            </a:r>
-            <a:endParaRPr lang="en-US" dirty="0"/>
-          </a:p>
-          <a:p>
-            <a:endParaRPr lang="en-US" dirty="0"/>
-          </a:p>
-          <a:p>
-            <a:r>
-              <a:rPr lang="en-US" dirty="0"/>
-              <a:t>Censored Planet</a:t>
-            </a:r>
-            <a:br>
-              <a:rPr lang="en-US" dirty="0"/>
-            </a:br>
-            <a:r>
-              <a:rPr lang="en-US" dirty="0">
-                <a:hlinkClick r:id="rId3"/>
-              </a:rPr>
-              <a:t>https://www.censoredplanet.org/</a:t>
-            </a:r>
-            <a:endParaRPr lang="en-US" dirty="0"/>
-          </a:p>
-          <a:p>
-            <a:endParaRPr lang="en-US" dirty="0"/>
-          </a:p>
-          <a:p>
-            <a:r>
-              <a:rPr lang="en-US" dirty="0"/>
-              <a:t>Open Observatory of Network Interference (OONI)</a:t>
-            </a:r>
-            <a:br>
-              <a:rPr lang="en-US" dirty="0"/>
-            </a:br>
-            <a:r>
-              <a:rPr lang="en-US" dirty="0">
-                <a:hlinkClick r:id="rId4"/>
-              </a:rPr>
-              <a:t>https://ooni.org/data/</a:t>
-            </a:r>
-            <a:endParaRPr lang="en-US" dirty="0"/>
-          </a:p>
-          <a:p>
-            <a:endParaRPr lang="en-US" dirty="0"/>
-          </a:p>
-          <a:p>
-            <a:endParaRPr lang="en-US" dirty="0"/>
-          </a:p>
-          <a:p>
-            <a:endParaRPr lang="en-US" dirty="0"/>
-          </a:p>
-        </p:txBody>
-      </p:sp>
-    </p:spTree>
-    <p:extLst>
-      <p:ext uri="{BB962C8B-B14F-4D97-AF65-F5344CB8AC3E}">
-        <p14:creationId xmlns:p14="http://schemas.microsoft.com/office/powerpoint/2010/main" val="297329116"/>
-      </p:ext>
-    </p:extLst>
-  </p:cSld>
-  <p:clrMapOvr>
-    <a:masterClrMapping/>
-  </p:clrMapOvr>
-</p:sld>
-</file>
-
-<file path=ppt/slides/slide27.xml><?xml version="1.0" encoding="utf-8"?>
-<p:sld xmlns:a="http://schemas.openxmlformats.org/drawingml/2006/main" xmlns:r="http://schemas.openxmlformats.org/officeDocument/2006/relationships" xmlns:p="http://schemas.openxmlformats.org/presentationml/2006/main">
-  <p:cSld>
-    <p:spTree>
-      <p:nvGrpSpPr>
-        <p:cNvPr id="1" name=""/>
-        <p:cNvGrpSpPr/>
-        <p:nvPr/>
-      </p:nvGrpSpPr>
-      <p:grpSpPr>
-        <a:xfrm>
-          <a:off x="0" y="0"/>
-          <a:ext cx="0" cy="0"/>
-          <a:chOff x="0" y="0"/>
-          <a:chExt cx="0" cy="0"/>
-        </a:xfrm>
-      </p:grpSpPr>
-      <p:sp>
-        <p:nvSpPr>
-          <p:cNvPr id="2" name="Title 1">
-            <a:extLst>
-              <a:ext uri="{FF2B5EF4-FFF2-40B4-BE49-F238E27FC236}">
-                <a16:creationId xmlns:a16="http://schemas.microsoft.com/office/drawing/2014/main" id="{CB96C680-7B17-C34D-9967-487385C04F48}"/>
-              </a:ext>
-            </a:extLst>
-          </p:cNvPr>
-          <p:cNvSpPr>
-            <a:spLocks noGrp="1"/>
-          </p:cNvSpPr>
-          <p:nvPr>
-            <p:ph type="title"/>
-          </p:nvPr>
-        </p:nvSpPr>
-        <p:spPr>
-          <a:xfrm>
-            <a:off x="838200" y="1708733"/>
-            <a:ext cx="10515600" cy="1325563"/>
-          </a:xfrm>
-        </p:spPr>
-        <p:txBody>
-          <a:bodyPr/>
-          <a:lstStyle/>
-          <a:p>
-            <a:pPr algn="ctr"/>
-            <a:r>
-              <a:rPr lang="en-US" dirty="0"/>
-              <a:t>Ethics</a:t>
-            </a:r>
-          </a:p>
-        </p:txBody>
-      </p:sp>
-    </p:spTree>
-    <p:extLst>
-      <p:ext uri="{BB962C8B-B14F-4D97-AF65-F5344CB8AC3E}">
-        <p14:creationId xmlns:p14="http://schemas.microsoft.com/office/powerpoint/2010/main" val="784462361"/>
-      </p:ext>
-    </p:extLst>
-  </p:cSld>
-  <p:clrMapOvr>
-    <a:masterClrMapping/>
-  </p:clrMapOvr>
-</p:sld>
-</file>
-
-<file path=ppt/slides/slide28.xml><?xml version="1.0" encoding="utf-8"?>
-<p:sld xmlns:a="http://schemas.openxmlformats.org/drawingml/2006/main" xmlns:r="http://schemas.openxmlformats.org/officeDocument/2006/relationships" xmlns:p="http://schemas.openxmlformats.org/presentationml/2006/main">
-  <p:cSld>
-    <p:spTree>
-      <p:nvGrpSpPr>
-        <p:cNvPr id="1" name=""/>
-        <p:cNvGrpSpPr/>
-        <p:nvPr/>
-      </p:nvGrpSpPr>
-      <p:grpSpPr>
-        <a:xfrm>
-          <a:off x="0" y="0"/>
-          <a:ext cx="0" cy="0"/>
-          <a:chOff x="0" y="0"/>
-          <a:chExt cx="0" cy="0"/>
-        </a:xfrm>
-      </p:grpSpPr>
-      <p:sp>
-        <p:nvSpPr>
-          <p:cNvPr id="19458" name="Title 1"/>
-          <p:cNvSpPr>
-            <a:spLocks noGrp="1"/>
-          </p:cNvSpPr>
-          <p:nvPr>
-            <p:ph type="title"/>
-          </p:nvPr>
-        </p:nvSpPr>
-        <p:spPr/>
-        <p:txBody>
-          <a:bodyPr/>
-          <a:lstStyle/>
-          <a:p>
-            <a:r>
-              <a:rPr lang="en-US" dirty="0"/>
-              <a:t>What is “Ethics”?</a:t>
-            </a:r>
-          </a:p>
-        </p:txBody>
-      </p:sp>
-      <p:sp>
-        <p:nvSpPr>
-          <p:cNvPr id="19459" name="Content Placeholder 2"/>
-          <p:cNvSpPr>
-            <a:spLocks noGrp="1"/>
-          </p:cNvSpPr>
-          <p:nvPr>
-            <p:ph idx="1"/>
-          </p:nvPr>
-        </p:nvSpPr>
-        <p:spPr/>
-        <p:txBody>
-          <a:bodyPr>
-            <a:normAutofit/>
-          </a:bodyPr>
-          <a:lstStyle/>
-          <a:p>
-            <a:r>
-              <a:rPr lang="en-US" dirty="0"/>
-              <a:t>“Ethics (or moral philosophy) involves systematizing, defending, and recommending concepts of right and wrong behavior.” </a:t>
-            </a:r>
-          </a:p>
-          <a:p>
-            <a:endParaRPr lang="en-US" dirty="0"/>
-          </a:p>
-          <a:p>
-            <a:r>
-              <a:rPr lang="en-US" b="1" dirty="0"/>
-              <a:t>Normative ethics</a:t>
-            </a:r>
-            <a:r>
-              <a:rPr lang="en-US" dirty="0"/>
-              <a:t>, is concerned with developing a set of morals or guiding principles intended to influence the conduct of individuals and groups within a population (i.e., a profession, a religion, or society at large).</a:t>
-            </a:r>
-          </a:p>
-          <a:p>
-            <a:pPr lvl="1"/>
-            <a:r>
-              <a:rPr lang="en-US" dirty="0"/>
-              <a:t>Consequentialism</a:t>
-            </a:r>
-          </a:p>
-          <a:p>
-            <a:pPr lvl="1"/>
-            <a:r>
-              <a:rPr lang="en-US" dirty="0"/>
-              <a:t>Deontology</a:t>
-            </a:r>
-          </a:p>
-        </p:txBody>
-      </p:sp>
-      <p:sp>
-        <p:nvSpPr>
-          <p:cNvPr id="2" name="TextBox 1"/>
-          <p:cNvSpPr txBox="1"/>
-          <p:nvPr/>
-        </p:nvSpPr>
-        <p:spPr>
-          <a:xfrm>
-            <a:off x="2257778" y="6948939"/>
-            <a:ext cx="184731" cy="461665"/>
-          </a:xfrm>
-          <a:prstGeom prst="rect">
-            <a:avLst/>
-          </a:prstGeom>
-          <a:noFill/>
-        </p:spPr>
-        <p:txBody>
-          <a:bodyPr wrap="none" rtlCol="0">
-            <a:spAutoFit/>
-          </a:bodyPr>
-          <a:lstStyle/>
-          <a:p>
-            <a:endParaRPr lang="en-US" sz="2400" dirty="0"/>
-          </a:p>
-        </p:txBody>
-      </p:sp>
-    </p:spTree>
-    <p:extLst>
-      <p:ext uri="{BB962C8B-B14F-4D97-AF65-F5344CB8AC3E}">
-        <p14:creationId xmlns:p14="http://schemas.microsoft.com/office/powerpoint/2010/main" val="4222532862"/>
-      </p:ext>
-    </p:extLst>
-  </p:cSld>
-  <p:clrMapOvr>
-    <a:masterClrMapping/>
-  </p:clrMapOvr>
-  <p:transition/>
-</p:sld>
-</file>
-
-<file path=ppt/slides/slide29.xml><?xml version="1.0" encoding="utf-8"?>
-<p:sld xmlns:a="http://schemas.openxmlformats.org/drawingml/2006/main" xmlns:r="http://schemas.openxmlformats.org/officeDocument/2006/relationships" xmlns:p="http://schemas.openxmlformats.org/presentationml/2006/main">
-  <p:cSld>
-    <p:spTree>
-      <p:nvGrpSpPr>
-        <p:cNvPr id="1" name=""/>
-        <p:cNvGrpSpPr/>
-        <p:nvPr/>
-      </p:nvGrpSpPr>
-      <p:grpSpPr>
-        <a:xfrm>
-          <a:off x="0" y="0"/>
-          <a:ext cx="0" cy="0"/>
-          <a:chOff x="0" y="0"/>
-          <a:chExt cx="0" cy="0"/>
-        </a:xfrm>
-      </p:grpSpPr>
-      <p:sp>
-        <p:nvSpPr>
-          <p:cNvPr id="20482" name="Title 1"/>
-          <p:cNvSpPr>
-            <a:spLocks noGrp="1"/>
-          </p:cNvSpPr>
-          <p:nvPr>
-            <p:ph type="title"/>
-          </p:nvPr>
-        </p:nvSpPr>
-        <p:spPr/>
-        <p:txBody>
-          <a:bodyPr/>
-          <a:lstStyle/>
-          <a:p>
-            <a:r>
-              <a:rPr lang="en-US"/>
-              <a:t>Computer Ethics</a:t>
-            </a:r>
-          </a:p>
-        </p:txBody>
-      </p:sp>
-      <p:sp>
-        <p:nvSpPr>
-          <p:cNvPr id="20483" name="Content Placeholder 2"/>
-          <p:cNvSpPr>
-            <a:spLocks noGrp="1"/>
-          </p:cNvSpPr>
-          <p:nvPr>
-            <p:ph idx="1"/>
-          </p:nvPr>
-        </p:nvSpPr>
-        <p:spPr/>
-        <p:txBody>
-          <a:bodyPr>
-            <a:normAutofit fontScale="92500" lnSpcReduction="20000"/>
-          </a:bodyPr>
-          <a:lstStyle/>
-          <a:p>
-            <a:pPr>
-              <a:buFont typeface="Times" pitchFamily="-1" charset="0"/>
-              <a:buNone/>
-            </a:pPr>
-            <a:r>
-              <a:rPr lang="en-US" dirty="0"/>
-              <a:t>“A typical problem in computer ethics arises because there is a policy vacuum about how computer technology should be used. </a:t>
-            </a:r>
-          </a:p>
-          <a:p>
-            <a:pPr>
-              <a:buFont typeface="Times" pitchFamily="-1" charset="0"/>
-              <a:buNone/>
-            </a:pPr>
-            <a:endParaRPr lang="en-US" dirty="0"/>
-          </a:p>
-          <a:p>
-            <a:pPr>
-              <a:buFont typeface="Times" pitchFamily="-1" charset="0"/>
-              <a:buNone/>
-            </a:pPr>
-            <a:r>
-              <a:rPr lang="en-US" dirty="0"/>
-              <a:t>Computers provide us with </a:t>
-            </a:r>
-            <a:r>
-              <a:rPr lang="en-US" b="1" dirty="0"/>
-              <a:t>new capabilities </a:t>
-            </a:r>
-            <a:r>
-              <a:rPr lang="en-US" dirty="0"/>
-              <a:t>and these in turn give us </a:t>
-            </a:r>
-            <a:r>
-              <a:rPr lang="en-US" b="1" dirty="0"/>
-              <a:t>new choices </a:t>
-            </a:r>
-            <a:r>
-              <a:rPr lang="en-US" dirty="0"/>
-              <a:t>for action. Often, either no policies for conduct in these situations exist or existing policies seem inadequate. </a:t>
-            </a:r>
-          </a:p>
-          <a:p>
-            <a:pPr>
-              <a:buFont typeface="Times" pitchFamily="-1" charset="0"/>
-              <a:buNone/>
-            </a:pPr>
-            <a:endParaRPr lang="en-US" dirty="0"/>
-          </a:p>
-          <a:p>
-            <a:pPr>
-              <a:buFont typeface="Times" pitchFamily="-1" charset="0"/>
-              <a:buNone/>
-            </a:pPr>
-            <a:r>
-              <a:rPr lang="en-US" dirty="0"/>
-              <a:t>A central task of computer ethics is to determine </a:t>
-            </a:r>
-            <a:r>
-              <a:rPr lang="en-US" b="1" dirty="0"/>
-              <a:t>what we should do </a:t>
-            </a:r>
-            <a:r>
-              <a:rPr lang="en-US" dirty="0"/>
-              <a:t>in such cases, i.e., to formulate policies to guide our actions.”</a:t>
-            </a:r>
-            <a:br>
-              <a:rPr lang="en-US" dirty="0"/>
-            </a:br>
-            <a:endParaRPr lang="en-US" dirty="0"/>
-          </a:p>
-          <a:p>
-            <a:pPr>
-              <a:buFont typeface="Times" pitchFamily="-1" charset="0"/>
-              <a:buNone/>
-            </a:pPr>
-            <a:r>
-              <a:rPr lang="en-US" dirty="0"/>
-              <a:t>														-Moor</a:t>
-            </a:r>
-          </a:p>
-        </p:txBody>
-      </p:sp>
-    </p:spTree>
-    <p:extLst>
-      <p:ext uri="{BB962C8B-B14F-4D97-AF65-F5344CB8AC3E}">
-        <p14:creationId xmlns:p14="http://schemas.microsoft.com/office/powerpoint/2010/main" val="1031969855"/>
-      </p:ext>
-    </p:extLst>
-  </p:cSld>
-  <p:clrMapOvr>
-    <a:masterClrMapping/>
-  </p:clrMapOvr>
-  <p:transition/>
 </p:sld>
 </file>
 
@@ -10092,6 +10383,752 @@
   <p:cSld>
     <p:spTree>
       <p:nvGrpSpPr>
+        <p:cNvPr id="1" name="Shape 269"/>
+        <p:cNvGrpSpPr/>
+        <p:nvPr/>
+      </p:nvGrpSpPr>
+      <p:grpSpPr>
+        <a:xfrm>
+          <a:off x="0" y="0"/>
+          <a:ext cx="0" cy="0"/>
+          <a:chOff x="0" y="0"/>
+          <a:chExt cx="0" cy="0"/>
+        </a:xfrm>
+      </p:grpSpPr>
+      <p:sp>
+        <p:nvSpPr>
+          <p:cNvPr id="270" name="Shape 270"/>
+          <p:cNvSpPr txBox="1">
+            <a:spLocks noGrp="1"/>
+          </p:cNvSpPr>
+          <p:nvPr>
+            <p:ph type="title"/>
+          </p:nvPr>
+        </p:nvSpPr>
+        <p:spPr>
+          <a:xfrm>
+            <a:off x="609600" y="274637"/>
+            <a:ext cx="10972800" cy="1143200"/>
+          </a:xfrm>
+          <a:prstGeom prst="rect">
+            <a:avLst/>
+          </a:prstGeom>
+        </p:spPr>
+        <p:txBody>
+          <a:bodyPr vert="horz" lIns="121900" tIns="121900" rIns="121900" bIns="121900" rtlCol="0" anchor="b" anchorCtr="0">
+            <a:noAutofit/>
+          </a:bodyPr>
+          <a:lstStyle/>
+          <a:p>
+            <a:r>
+              <a:rPr lang="en" dirty="0"/>
+              <a:t>Encore Doesn’t Need to Read Data</a:t>
+            </a:r>
+          </a:p>
+        </p:txBody>
+      </p:sp>
+      <p:sp>
+        <p:nvSpPr>
+          <p:cNvPr id="271" name="Shape 271"/>
+          <p:cNvSpPr txBox="1">
+            <a:spLocks noGrp="1"/>
+          </p:cNvSpPr>
+          <p:nvPr>
+            <p:ph type="body" idx="1"/>
+          </p:nvPr>
+        </p:nvSpPr>
+        <p:spPr>
+          <a:xfrm>
+            <a:off x="609600" y="1600201"/>
+            <a:ext cx="10972800" cy="4967599"/>
+          </a:xfrm>
+          <a:prstGeom prst="rect">
+            <a:avLst/>
+          </a:prstGeom>
+        </p:spPr>
+        <p:txBody>
+          <a:bodyPr vert="horz" lIns="121900" tIns="121900" rIns="121900" bIns="121900" rtlCol="0" anchor="t" anchorCtr="0">
+            <a:noAutofit/>
+          </a:bodyPr>
+          <a:lstStyle/>
+          <a:p>
+            <a:pPr marL="609585" indent="-304792"/>
+            <a:r>
+              <a:rPr lang="en"/>
+              <a:t>It only needs to know whether a URL loaded.</a:t>
+            </a:r>
+          </a:p>
+          <a:p>
+            <a:pPr marL="609585" indent="-304792"/>
+            <a:r>
+              <a:rPr lang="en"/>
+              <a:t>Restrictions on resource embedding are looser.</a:t>
+            </a:r>
+          </a:p>
+          <a:p>
+            <a:pPr>
+              <a:buNone/>
+            </a:pPr>
+            <a:endParaRPr/>
+          </a:p>
+          <a:p>
+            <a:pPr>
+              <a:buNone/>
+            </a:pPr>
+            <a:r>
+              <a:rPr lang="en"/>
+              <a:t>Examples:</a:t>
+            </a:r>
+          </a:p>
+          <a:p>
+            <a:pPr marL="609585" indent="-304792"/>
+            <a:r>
+              <a:rPr lang="en"/>
+              <a:t>Images with </a:t>
+            </a:r>
+            <a:r>
+              <a:rPr lang="en">
+                <a:latin typeface="Consolas"/>
+                <a:ea typeface="Consolas"/>
+                <a:cs typeface="Consolas"/>
+                <a:sym typeface="Consolas"/>
+              </a:rPr>
+              <a:t>&lt;img&gt;</a:t>
+            </a:r>
+          </a:p>
+          <a:p>
+            <a:pPr marL="609585" indent="-304792"/>
+            <a:r>
+              <a:rPr lang="en"/>
+              <a:t>Style sheets with </a:t>
+            </a:r>
+            <a:r>
+              <a:rPr lang="en">
+                <a:latin typeface="Consolas"/>
+                <a:ea typeface="Consolas"/>
+                <a:cs typeface="Consolas"/>
+                <a:sym typeface="Consolas"/>
+              </a:rPr>
+              <a:t>&lt;style&gt;</a:t>
+            </a:r>
+          </a:p>
+          <a:p>
+            <a:pPr marL="609585" indent="-304792"/>
+            <a:r>
+              <a:rPr lang="en"/>
+              <a:t>Arbitrary content with </a:t>
+            </a:r>
+            <a:r>
+              <a:rPr lang="en">
+                <a:latin typeface="Consolas"/>
+                <a:ea typeface="Consolas"/>
+                <a:cs typeface="Consolas"/>
+                <a:sym typeface="Consolas"/>
+              </a:rPr>
+              <a:t>&lt;iframe&gt;</a:t>
+            </a:r>
+          </a:p>
+        </p:txBody>
+      </p:sp>
+      <p:sp>
+        <p:nvSpPr>
+          <p:cNvPr id="272" name="Shape 272"/>
+          <p:cNvSpPr txBox="1">
+            <a:spLocks noGrp="1"/>
+          </p:cNvSpPr>
+          <p:nvPr>
+            <p:ph type="sldNum" idx="12"/>
+          </p:nvPr>
+        </p:nvSpPr>
+        <p:spPr>
+          <a:xfrm>
+            <a:off x="11409055" y="6333133"/>
+            <a:ext cx="731599" cy="524800"/>
+          </a:xfrm>
+          <a:prstGeom prst="rect">
+            <a:avLst/>
+          </a:prstGeom>
+        </p:spPr>
+        <p:txBody>
+          <a:bodyPr vert="horz" lIns="121900" tIns="121900" rIns="121900" bIns="121900" rtlCol="0" anchor="ctr" anchorCtr="0">
+            <a:noAutofit/>
+          </a:bodyPr>
+          <a:lstStyle/>
+          <a:p>
+            <a:fld id="{00000000-1234-1234-1234-123412341234}" type="slidenum">
+              <a:rPr lang="en"/>
+              <a:pPr/>
+              <a:t>30</a:t>
+            </a:fld>
+            <a:endParaRPr lang="en"/>
+          </a:p>
+        </p:txBody>
+      </p:sp>
+    </p:spTree>
+    <p:extLst>
+      <p:ext uri="{BB962C8B-B14F-4D97-AF65-F5344CB8AC3E}">
+        <p14:creationId xmlns:p14="http://schemas.microsoft.com/office/powerpoint/2010/main" val="3504588005"/>
+      </p:ext>
+    </p:extLst>
+  </p:cSld>
+  <p:clrMapOvr>
+    <a:masterClrMapping/>
+  </p:clrMapOvr>
+  <p:transition spd="slow">
+    <p:cut/>
+  </p:transition>
+</p:sld>
+</file>
+
+<file path=ppt/slides/slide31.xml><?xml version="1.0" encoding="utf-8"?>
+<p:sld xmlns:a="http://schemas.openxmlformats.org/drawingml/2006/main" xmlns:r="http://schemas.openxmlformats.org/officeDocument/2006/relationships" xmlns:p="http://schemas.openxmlformats.org/presentationml/2006/main">
+  <p:cSld>
+    <p:spTree>
+      <p:nvGrpSpPr>
+        <p:cNvPr id="1" name=""/>
+        <p:cNvGrpSpPr/>
+        <p:nvPr/>
+      </p:nvGrpSpPr>
+      <p:grpSpPr>
+        <a:xfrm>
+          <a:off x="0" y="0"/>
+          <a:ext cx="0" cy="0"/>
+          <a:chOff x="0" y="0"/>
+          <a:chExt cx="0" cy="0"/>
+        </a:xfrm>
+      </p:grpSpPr>
+      <p:sp>
+        <p:nvSpPr>
+          <p:cNvPr id="2" name="Title 1">
+            <a:extLst>
+              <a:ext uri="{FF2B5EF4-FFF2-40B4-BE49-F238E27FC236}">
+                <a16:creationId xmlns:a16="http://schemas.microsoft.com/office/drawing/2014/main" id="{25FEBB96-4F22-7C45-8BD3-5BD7FD375670}"/>
+              </a:ext>
+            </a:extLst>
+          </p:cNvPr>
+          <p:cNvSpPr>
+            <a:spLocks noGrp="1"/>
+          </p:cNvSpPr>
+          <p:nvPr>
+            <p:ph type="title"/>
+          </p:nvPr>
+        </p:nvSpPr>
+        <p:spPr/>
+        <p:txBody>
+          <a:bodyPr/>
+          <a:lstStyle/>
+          <a:p>
+            <a:r>
+              <a:rPr lang="en-US" dirty="0"/>
+              <a:t>Additional Resources/Data</a:t>
+            </a:r>
+          </a:p>
+        </p:txBody>
+      </p:sp>
+      <p:sp>
+        <p:nvSpPr>
+          <p:cNvPr id="3" name="Content Placeholder 2">
+            <a:extLst>
+              <a:ext uri="{FF2B5EF4-FFF2-40B4-BE49-F238E27FC236}">
+                <a16:creationId xmlns:a16="http://schemas.microsoft.com/office/drawing/2014/main" id="{D64A9AD2-1467-FC4A-9BD7-540D4C2982A7}"/>
+              </a:ext>
+            </a:extLst>
+          </p:cNvPr>
+          <p:cNvSpPr>
+            <a:spLocks noGrp="1"/>
+          </p:cNvSpPr>
+          <p:nvPr>
+            <p:ph idx="1"/>
+          </p:nvPr>
+        </p:nvSpPr>
+        <p:spPr/>
+        <p:txBody>
+          <a:bodyPr/>
+          <a:lstStyle/>
+          <a:p>
+            <a:r>
+              <a:rPr lang="en-US" dirty="0"/>
+              <a:t>Internet Censorship Lab (</a:t>
+            </a:r>
+            <a:r>
+              <a:rPr lang="en-US" dirty="0" err="1"/>
+              <a:t>ICLab</a:t>
+            </a:r>
+            <a:r>
+              <a:rPr lang="en-US" dirty="0"/>
+              <a:t>)</a:t>
+            </a:r>
+            <a:br>
+              <a:rPr lang="en-US" dirty="0"/>
+            </a:br>
+            <a:r>
+              <a:rPr lang="en-US" dirty="0">
+                <a:hlinkClick r:id="rId2"/>
+              </a:rPr>
+              <a:t>https://iclab.org/</a:t>
+            </a:r>
+            <a:endParaRPr lang="en-US" dirty="0"/>
+          </a:p>
+          <a:p>
+            <a:endParaRPr lang="en-US" dirty="0"/>
+          </a:p>
+          <a:p>
+            <a:r>
+              <a:rPr lang="en-US" dirty="0"/>
+              <a:t>Censored Planet</a:t>
+            </a:r>
+            <a:br>
+              <a:rPr lang="en-US" dirty="0"/>
+            </a:br>
+            <a:r>
+              <a:rPr lang="en-US" dirty="0">
+                <a:hlinkClick r:id="rId3"/>
+              </a:rPr>
+              <a:t>https://www.censoredplanet.org/</a:t>
+            </a:r>
+            <a:endParaRPr lang="en-US" dirty="0"/>
+          </a:p>
+          <a:p>
+            <a:endParaRPr lang="en-US" dirty="0"/>
+          </a:p>
+          <a:p>
+            <a:r>
+              <a:rPr lang="en-US" dirty="0"/>
+              <a:t>Open Observatory of Network Interference (OONI)</a:t>
+            </a:r>
+            <a:br>
+              <a:rPr lang="en-US" dirty="0"/>
+            </a:br>
+            <a:r>
+              <a:rPr lang="en-US" dirty="0">
+                <a:hlinkClick r:id="rId4"/>
+              </a:rPr>
+              <a:t>https://ooni.org/data/</a:t>
+            </a:r>
+            <a:endParaRPr lang="en-US" dirty="0"/>
+          </a:p>
+          <a:p>
+            <a:endParaRPr lang="en-US" dirty="0"/>
+          </a:p>
+          <a:p>
+            <a:endParaRPr lang="en-US" dirty="0"/>
+          </a:p>
+          <a:p>
+            <a:endParaRPr lang="en-US" dirty="0"/>
+          </a:p>
+        </p:txBody>
+      </p:sp>
+    </p:spTree>
+    <p:extLst>
+      <p:ext uri="{BB962C8B-B14F-4D97-AF65-F5344CB8AC3E}">
+        <p14:creationId xmlns:p14="http://schemas.microsoft.com/office/powerpoint/2010/main" val="297329116"/>
+      </p:ext>
+    </p:extLst>
+  </p:cSld>
+  <p:clrMapOvr>
+    <a:masterClrMapping/>
+  </p:clrMapOvr>
+</p:sld>
+</file>
+
+<file path=ppt/slides/slide32.xml><?xml version="1.0" encoding="utf-8"?>
+<p:sld xmlns:a="http://schemas.openxmlformats.org/drawingml/2006/main" xmlns:r="http://schemas.openxmlformats.org/officeDocument/2006/relationships" xmlns:p="http://schemas.openxmlformats.org/presentationml/2006/main">
+  <p:cSld>
+    <p:spTree>
+      <p:nvGrpSpPr>
+        <p:cNvPr id="1" name=""/>
+        <p:cNvGrpSpPr/>
+        <p:nvPr/>
+      </p:nvGrpSpPr>
+      <p:grpSpPr>
+        <a:xfrm>
+          <a:off x="0" y="0"/>
+          <a:ext cx="0" cy="0"/>
+          <a:chOff x="0" y="0"/>
+          <a:chExt cx="0" cy="0"/>
+        </a:xfrm>
+      </p:grpSpPr>
+      <p:sp>
+        <p:nvSpPr>
+          <p:cNvPr id="2" name="Title 1">
+            <a:extLst>
+              <a:ext uri="{FF2B5EF4-FFF2-40B4-BE49-F238E27FC236}">
+                <a16:creationId xmlns:a16="http://schemas.microsoft.com/office/drawing/2014/main" id="{98CECB21-A8B9-2A46-8D25-BF35EDCD9A6A}"/>
+              </a:ext>
+            </a:extLst>
+          </p:cNvPr>
+          <p:cNvSpPr>
+            <a:spLocks noGrp="1"/>
+          </p:cNvSpPr>
+          <p:nvPr>
+            <p:ph type="ctrTitle"/>
+          </p:nvPr>
+        </p:nvSpPr>
+        <p:spPr/>
+        <p:txBody>
+          <a:bodyPr>
+            <a:normAutofit/>
+          </a:bodyPr>
+          <a:lstStyle/>
+          <a:p>
+            <a:r>
+              <a:rPr lang="en-US" sz="4000" b="1" dirty="0"/>
+              <a:t>Internet Censorship and Online Speech</a:t>
+            </a:r>
+            <a:br>
+              <a:rPr lang="en-US" sz="4000" dirty="0"/>
+            </a:br>
+            <a:r>
+              <a:rPr lang="en-US" sz="3600" dirty="0"/>
+              <a:t>Chapter 4.5: Ethics of Censorship Measurement</a:t>
+            </a:r>
+            <a:endParaRPr lang="en-US" sz="4000" dirty="0"/>
+          </a:p>
+        </p:txBody>
+      </p:sp>
+      <p:sp>
+        <p:nvSpPr>
+          <p:cNvPr id="3" name="Subtitle 2">
+            <a:extLst>
+              <a:ext uri="{FF2B5EF4-FFF2-40B4-BE49-F238E27FC236}">
+                <a16:creationId xmlns:a16="http://schemas.microsoft.com/office/drawing/2014/main" id="{F83BB962-F4CC-D04B-91FF-E298F75F47B3}"/>
+              </a:ext>
+            </a:extLst>
+          </p:cNvPr>
+          <p:cNvSpPr>
+            <a:spLocks noGrp="1"/>
+          </p:cNvSpPr>
+          <p:nvPr>
+            <p:ph type="subTitle" idx="1"/>
+          </p:nvPr>
+        </p:nvSpPr>
+        <p:spPr>
+          <a:xfrm>
+            <a:off x="1524000" y="4236352"/>
+            <a:ext cx="9144000" cy="1655762"/>
+          </a:xfrm>
+        </p:spPr>
+        <p:txBody>
+          <a:bodyPr>
+            <a:normAutofit/>
+          </a:bodyPr>
+          <a:lstStyle/>
+          <a:p>
+            <a:r>
+              <a:rPr lang="en-US" sz="3600" dirty="0"/>
+              <a:t>Nick Feamster</a:t>
+            </a:r>
+            <a:br>
+              <a:rPr lang="en-US" sz="3600" dirty="0"/>
+            </a:br>
+            <a:r>
+              <a:rPr lang="en-US" sz="3600" dirty="0"/>
+              <a:t>University of Chicago</a:t>
+            </a:r>
+          </a:p>
+        </p:txBody>
+      </p:sp>
+    </p:spTree>
+    <p:extLst>
+      <p:ext uri="{BB962C8B-B14F-4D97-AF65-F5344CB8AC3E}">
+        <p14:creationId xmlns:p14="http://schemas.microsoft.com/office/powerpoint/2010/main" val="3079909293"/>
+      </p:ext>
+    </p:extLst>
+  </p:cSld>
+  <p:clrMapOvr>
+    <a:masterClrMapping/>
+  </p:clrMapOvr>
+</p:sld>
+</file>
+
+<file path=ppt/slides/slide33.xml><?xml version="1.0" encoding="utf-8"?>
+<p:sld xmlns:a="http://schemas.openxmlformats.org/drawingml/2006/main" xmlns:r="http://schemas.openxmlformats.org/officeDocument/2006/relationships" xmlns:p="http://schemas.openxmlformats.org/presentationml/2006/main">
+  <p:cSld>
+    <p:spTree>
+      <p:nvGrpSpPr>
+        <p:cNvPr id="1" name=""/>
+        <p:cNvGrpSpPr/>
+        <p:nvPr/>
+      </p:nvGrpSpPr>
+      <p:grpSpPr>
+        <a:xfrm>
+          <a:off x="0" y="0"/>
+          <a:ext cx="0" cy="0"/>
+          <a:chOff x="0" y="0"/>
+          <a:chExt cx="0" cy="0"/>
+        </a:xfrm>
+      </p:grpSpPr>
+      <p:sp>
+        <p:nvSpPr>
+          <p:cNvPr id="19458" name="Title 1"/>
+          <p:cNvSpPr>
+            <a:spLocks noGrp="1"/>
+          </p:cNvSpPr>
+          <p:nvPr>
+            <p:ph type="title"/>
+          </p:nvPr>
+        </p:nvSpPr>
+        <p:spPr/>
+        <p:txBody>
+          <a:bodyPr/>
+          <a:lstStyle/>
+          <a:p>
+            <a:r>
+              <a:rPr lang="en-US" dirty="0"/>
+              <a:t>What is “Ethics”?</a:t>
+            </a:r>
+          </a:p>
+        </p:txBody>
+      </p:sp>
+      <p:sp>
+        <p:nvSpPr>
+          <p:cNvPr id="19459" name="Content Placeholder 2"/>
+          <p:cNvSpPr>
+            <a:spLocks noGrp="1"/>
+          </p:cNvSpPr>
+          <p:nvPr>
+            <p:ph idx="1"/>
+          </p:nvPr>
+        </p:nvSpPr>
+        <p:spPr/>
+        <p:txBody>
+          <a:bodyPr>
+            <a:normAutofit/>
+          </a:bodyPr>
+          <a:lstStyle/>
+          <a:p>
+            <a:r>
+              <a:rPr lang="en-US" dirty="0"/>
+              <a:t>“Ethics (or moral philosophy) involves systematizing, defending, and recommending concepts of right and wrong behavior.” </a:t>
+            </a:r>
+          </a:p>
+          <a:p>
+            <a:endParaRPr lang="en-US" dirty="0"/>
+          </a:p>
+          <a:p>
+            <a:r>
+              <a:rPr lang="en-US" b="1" dirty="0"/>
+              <a:t>Normative ethics</a:t>
+            </a:r>
+            <a:r>
+              <a:rPr lang="en-US" dirty="0"/>
+              <a:t>, is concerned with developing a set of morals or guiding principles intended to influence the conduct of individuals and groups within a population (i.e., a profession, a religion, or society at large).</a:t>
+            </a:r>
+          </a:p>
+          <a:p>
+            <a:pPr lvl="1"/>
+            <a:r>
+              <a:rPr lang="en-US" dirty="0"/>
+              <a:t>Consequentialism</a:t>
+            </a:r>
+          </a:p>
+          <a:p>
+            <a:pPr lvl="1"/>
+            <a:r>
+              <a:rPr lang="en-US" dirty="0"/>
+              <a:t>Deontology</a:t>
+            </a:r>
+          </a:p>
+        </p:txBody>
+      </p:sp>
+      <p:sp>
+        <p:nvSpPr>
+          <p:cNvPr id="2" name="TextBox 1"/>
+          <p:cNvSpPr txBox="1"/>
+          <p:nvPr/>
+        </p:nvSpPr>
+        <p:spPr>
+          <a:xfrm>
+            <a:off x="2257778" y="6948939"/>
+            <a:ext cx="184731" cy="461665"/>
+          </a:xfrm>
+          <a:prstGeom prst="rect">
+            <a:avLst/>
+          </a:prstGeom>
+          <a:noFill/>
+        </p:spPr>
+        <p:txBody>
+          <a:bodyPr wrap="none" rtlCol="0">
+            <a:spAutoFit/>
+          </a:bodyPr>
+          <a:lstStyle/>
+          <a:p>
+            <a:endParaRPr lang="en-US" sz="2400" dirty="0"/>
+          </a:p>
+        </p:txBody>
+      </p:sp>
+    </p:spTree>
+    <p:extLst>
+      <p:ext uri="{BB962C8B-B14F-4D97-AF65-F5344CB8AC3E}">
+        <p14:creationId xmlns:p14="http://schemas.microsoft.com/office/powerpoint/2010/main" val="4222532862"/>
+      </p:ext>
+    </p:extLst>
+  </p:cSld>
+  <p:clrMapOvr>
+    <a:masterClrMapping/>
+  </p:clrMapOvr>
+  <p:transition/>
+</p:sld>
+</file>
+
+<file path=ppt/slides/slide34.xml><?xml version="1.0" encoding="utf-8"?>
+<p:sld xmlns:a="http://schemas.openxmlformats.org/drawingml/2006/main" xmlns:r="http://schemas.openxmlformats.org/officeDocument/2006/relationships" xmlns:p="http://schemas.openxmlformats.org/presentationml/2006/main">
+  <p:cSld>
+    <p:spTree>
+      <p:nvGrpSpPr>
+        <p:cNvPr id="1" name=""/>
+        <p:cNvGrpSpPr/>
+        <p:nvPr/>
+      </p:nvGrpSpPr>
+      <p:grpSpPr>
+        <a:xfrm>
+          <a:off x="0" y="0"/>
+          <a:ext cx="0" cy="0"/>
+          <a:chOff x="0" y="0"/>
+          <a:chExt cx="0" cy="0"/>
+        </a:xfrm>
+      </p:grpSpPr>
+      <p:sp>
+        <p:nvSpPr>
+          <p:cNvPr id="20482" name="Title 1"/>
+          <p:cNvSpPr>
+            <a:spLocks noGrp="1"/>
+          </p:cNvSpPr>
+          <p:nvPr>
+            <p:ph type="title"/>
+          </p:nvPr>
+        </p:nvSpPr>
+        <p:spPr/>
+        <p:txBody>
+          <a:bodyPr/>
+          <a:lstStyle/>
+          <a:p>
+            <a:r>
+              <a:rPr lang="en-US"/>
+              <a:t>Computer Ethics</a:t>
+            </a:r>
+          </a:p>
+        </p:txBody>
+      </p:sp>
+      <p:sp>
+        <p:nvSpPr>
+          <p:cNvPr id="20483" name="Content Placeholder 2"/>
+          <p:cNvSpPr>
+            <a:spLocks noGrp="1"/>
+          </p:cNvSpPr>
+          <p:nvPr>
+            <p:ph idx="1"/>
+          </p:nvPr>
+        </p:nvSpPr>
+        <p:spPr/>
+        <p:txBody>
+          <a:bodyPr>
+            <a:normAutofit fontScale="92500" lnSpcReduction="20000"/>
+          </a:bodyPr>
+          <a:lstStyle/>
+          <a:p>
+            <a:pPr>
+              <a:buFont typeface="Times" pitchFamily="-1" charset="0"/>
+              <a:buNone/>
+            </a:pPr>
+            <a:r>
+              <a:rPr lang="en-US" dirty="0"/>
+              <a:t>“A typical problem in computer ethics arises because there is a policy vacuum about how computer technology should be used. </a:t>
+            </a:r>
+          </a:p>
+          <a:p>
+            <a:pPr>
+              <a:buFont typeface="Times" pitchFamily="-1" charset="0"/>
+              <a:buNone/>
+            </a:pPr>
+            <a:endParaRPr lang="en-US" dirty="0"/>
+          </a:p>
+          <a:p>
+            <a:pPr>
+              <a:buFont typeface="Times" pitchFamily="-1" charset="0"/>
+              <a:buNone/>
+            </a:pPr>
+            <a:r>
+              <a:rPr lang="en-US" dirty="0"/>
+              <a:t>Computers provide us with </a:t>
+            </a:r>
+            <a:r>
+              <a:rPr lang="en-US" b="1" dirty="0"/>
+              <a:t>new capabilities </a:t>
+            </a:r>
+            <a:r>
+              <a:rPr lang="en-US" dirty="0"/>
+              <a:t>and these in turn give us </a:t>
+            </a:r>
+            <a:r>
+              <a:rPr lang="en-US" b="1" dirty="0"/>
+              <a:t>new choices </a:t>
+            </a:r>
+            <a:r>
+              <a:rPr lang="en-US" dirty="0"/>
+              <a:t>for action. Often, either no policies for conduct in these situations exist or existing policies seem inadequate. </a:t>
+            </a:r>
+          </a:p>
+          <a:p>
+            <a:pPr>
+              <a:buFont typeface="Times" pitchFamily="-1" charset="0"/>
+              <a:buNone/>
+            </a:pPr>
+            <a:endParaRPr lang="en-US" dirty="0"/>
+          </a:p>
+          <a:p>
+            <a:pPr>
+              <a:buFont typeface="Times" pitchFamily="-1" charset="0"/>
+              <a:buNone/>
+            </a:pPr>
+            <a:r>
+              <a:rPr lang="en-US" dirty="0"/>
+              <a:t>A central task of computer ethics is to determine </a:t>
+            </a:r>
+            <a:r>
+              <a:rPr lang="en-US" b="1" dirty="0"/>
+              <a:t>what we should do </a:t>
+            </a:r>
+            <a:r>
+              <a:rPr lang="en-US" dirty="0"/>
+              <a:t>in such cases, i.e., to formulate policies to guide our actions.”</a:t>
+            </a:r>
+            <a:br>
+              <a:rPr lang="en-US" dirty="0"/>
+            </a:br>
+            <a:endParaRPr lang="en-US" dirty="0"/>
+          </a:p>
+          <a:p>
+            <a:pPr>
+              <a:buFont typeface="Times" pitchFamily="-1" charset="0"/>
+              <a:buNone/>
+            </a:pPr>
+            <a:r>
+              <a:rPr lang="en-US" dirty="0"/>
+              <a:t>														-Moor</a:t>
+            </a:r>
+          </a:p>
+        </p:txBody>
+      </p:sp>
+    </p:spTree>
+    <p:extLst>
+      <p:ext uri="{BB962C8B-B14F-4D97-AF65-F5344CB8AC3E}">
+        <p14:creationId xmlns:p14="http://schemas.microsoft.com/office/powerpoint/2010/main" val="1031969855"/>
+      </p:ext>
+    </p:extLst>
+  </p:cSld>
+  <p:clrMapOvr>
+    <a:masterClrMapping/>
+  </p:clrMapOvr>
+  <p:transition/>
+</p:sld>
+</file>
+
+<file path=ppt/slides/slide35.xml><?xml version="1.0" encoding="utf-8"?>
+<p:sld xmlns:a="http://schemas.openxmlformats.org/drawingml/2006/main" xmlns:r="http://schemas.openxmlformats.org/officeDocument/2006/relationships" xmlns:p="http://schemas.openxmlformats.org/presentationml/2006/main">
+  <p:cSld>
+    <p:spTree>
+      <p:nvGrpSpPr>
         <p:cNvPr id="1" name=""/>
         <p:cNvGrpSpPr/>
         <p:nvPr/>
@@ -10191,7 +11228,7 @@
 </p:sld>
 </file>
 
-<file path=ppt/slides/slide31.xml><?xml version="1.0" encoding="utf-8"?>
+<file path=ppt/slides/slide36.xml><?xml version="1.0" encoding="utf-8"?>
 <p:sld xmlns:a="http://schemas.openxmlformats.org/drawingml/2006/main" xmlns:r="http://schemas.openxmlformats.org/officeDocument/2006/relationships" xmlns:p="http://schemas.openxmlformats.org/presentationml/2006/main">
   <p:cSld>
     <p:spTree>
@@ -10273,7 +11310,7 @@
 </p:sld>
 </file>
 
-<file path=ppt/slides/slide32.xml><?xml version="1.0" encoding="utf-8"?>
+<file path=ppt/slides/slide37.xml><?xml version="1.0" encoding="utf-8"?>
 <p:sld xmlns:a="http://schemas.openxmlformats.org/drawingml/2006/main" xmlns:r="http://schemas.openxmlformats.org/officeDocument/2006/relationships" xmlns:p="http://schemas.openxmlformats.org/presentationml/2006/main">
   <p:cSld>
     <p:spTree>
@@ -10403,7 +11440,7 @@
 </p:sld>
 </file>
 
-<file path=ppt/slides/slide33.xml><?xml version="1.0" encoding="utf-8"?>
+<file path=ppt/slides/slide38.xml><?xml version="1.0" encoding="utf-8"?>
 <p:sld xmlns:a="http://schemas.openxmlformats.org/drawingml/2006/main" xmlns:r="http://schemas.openxmlformats.org/officeDocument/2006/relationships" xmlns:p="http://schemas.openxmlformats.org/presentationml/2006/main">
   <p:cSld>
     <p:spTree>
@@ -10556,7 +11593,7 @@
 </p:sld>
 </file>
 
-<file path=ppt/slides/slide34.xml><?xml version="1.0" encoding="utf-8"?>
+<file path=ppt/slides/slide39.xml><?xml version="1.0" encoding="utf-8"?>
 <p:sld xmlns:a="http://schemas.openxmlformats.org/drawingml/2006/main" xmlns:r="http://schemas.openxmlformats.org/officeDocument/2006/relationships" xmlns:p="http://schemas.openxmlformats.org/presentationml/2006/main">
   <p:cSld>
     <p:spTree>
@@ -10660,7 +11697,139 @@
 </p:sld>
 </file>
 
-<file path=ppt/slides/slide35.xml><?xml version="1.0" encoding="utf-8"?>
+<file path=ppt/slides/slide4.xml><?xml version="1.0" encoding="utf-8"?>
+<p:sld xmlns:a="http://schemas.openxmlformats.org/drawingml/2006/main" xmlns:r="http://schemas.openxmlformats.org/officeDocument/2006/relationships" xmlns:p="http://schemas.openxmlformats.org/presentationml/2006/main">
+  <p:cSld>
+    <p:spTree>
+      <p:nvGrpSpPr>
+        <p:cNvPr id="1" name=""/>
+        <p:cNvGrpSpPr/>
+        <p:nvPr/>
+      </p:nvGrpSpPr>
+      <p:grpSpPr>
+        <a:xfrm>
+          <a:off x="0" y="0"/>
+          <a:ext cx="0" cy="0"/>
+          <a:chOff x="0" y="0"/>
+          <a:chExt cx="0" cy="0"/>
+        </a:xfrm>
+      </p:grpSpPr>
+      <p:sp>
+        <p:nvSpPr>
+          <p:cNvPr id="2" name="Title 1">
+            <a:extLst>
+              <a:ext uri="{FF2B5EF4-FFF2-40B4-BE49-F238E27FC236}">
+                <a16:creationId xmlns:a16="http://schemas.microsoft.com/office/drawing/2014/main" id="{EEF19FE5-5CE6-D548-86E8-FD37138C75D8}"/>
+              </a:ext>
+            </a:extLst>
+          </p:cNvPr>
+          <p:cNvSpPr>
+            <a:spLocks noGrp="1"/>
+          </p:cNvSpPr>
+          <p:nvPr>
+            <p:ph type="title"/>
+          </p:nvPr>
+        </p:nvSpPr>
+        <p:spPr/>
+        <p:txBody>
+          <a:bodyPr/>
+          <a:lstStyle/>
+          <a:p>
+            <a:r>
+              <a:rPr lang="en-US" dirty="0"/>
+              <a:t>Types of Internet Filtering to Measure</a:t>
+            </a:r>
+          </a:p>
+        </p:txBody>
+      </p:sp>
+      <p:sp>
+        <p:nvSpPr>
+          <p:cNvPr id="3" name="Content Placeholder 2">
+            <a:extLst>
+              <a:ext uri="{FF2B5EF4-FFF2-40B4-BE49-F238E27FC236}">
+                <a16:creationId xmlns:a16="http://schemas.microsoft.com/office/drawing/2014/main" id="{1FD038DC-FAFB-1C47-A257-FA3B78BAABB8}"/>
+              </a:ext>
+            </a:extLst>
+          </p:cNvPr>
+          <p:cNvSpPr>
+            <a:spLocks noGrp="1"/>
+          </p:cNvSpPr>
+          <p:nvPr>
+            <p:ph idx="1"/>
+          </p:nvPr>
+        </p:nvSpPr>
+        <p:spPr/>
+        <p:txBody>
+          <a:bodyPr/>
+          <a:lstStyle/>
+          <a:p>
+            <a:r>
+              <a:rPr lang="en-US" dirty="0"/>
+              <a:t>DNS</a:t>
+            </a:r>
+          </a:p>
+          <a:p>
+            <a:pPr lvl="1"/>
+            <a:r>
+              <a:rPr lang="en-US" dirty="0"/>
+              <a:t>Inconsistent responses</a:t>
+            </a:r>
+          </a:p>
+          <a:p>
+            <a:pPr lvl="1"/>
+            <a:r>
+              <a:rPr lang="en-US" dirty="0"/>
+              <a:t>Blocked responses</a:t>
+            </a:r>
+          </a:p>
+          <a:p>
+            <a:r>
+              <a:rPr lang="en-US" dirty="0"/>
+              <a:t>TCP/IP</a:t>
+            </a:r>
+          </a:p>
+          <a:p>
+            <a:r>
+              <a:rPr lang="en-US" dirty="0"/>
+              <a:t>HTTP(S)</a:t>
+            </a:r>
+          </a:p>
+          <a:p>
+            <a:r>
+              <a:rPr lang="en-US" dirty="0"/>
+              <a:t>Circumvention tools</a:t>
+            </a:r>
+          </a:p>
+          <a:p>
+            <a:pPr lvl="1"/>
+            <a:r>
+              <a:rPr lang="en-US" dirty="0"/>
+              <a:t>VPNs</a:t>
+            </a:r>
+          </a:p>
+          <a:p>
+            <a:pPr lvl="1"/>
+            <a:r>
+              <a:rPr lang="en-US" dirty="0"/>
+              <a:t>Tor</a:t>
+            </a:r>
+          </a:p>
+        </p:txBody>
+      </p:sp>
+    </p:spTree>
+    <p:extLst>
+      <p:ext uri="{BB962C8B-B14F-4D97-AF65-F5344CB8AC3E}">
+        <p14:creationId xmlns:p14="http://schemas.microsoft.com/office/powerpoint/2010/main" val="552407338"/>
+      </p:ext>
+    </p:extLst>
+  </p:cSld>
+  <p:clrMapOvr>
+    <a:masterClrMapping/>
+  </p:clrMapOvr>
+</p:sld>
+</file>
+
+<file path=ppt/slides/slide40.xml><?xml version="1.0" encoding="utf-8"?>
 <p:sld xmlns:a="http://schemas.openxmlformats.org/drawingml/2006/main" xmlns:r="http://schemas.openxmlformats.org/officeDocument/2006/relationships" xmlns:p="http://schemas.openxmlformats.org/presentationml/2006/main">
   <p:cSld>
     <p:spTree>
@@ -10733,110 +11902,6 @@
     <p:extLst>
       <p:ext uri="{BB962C8B-B14F-4D97-AF65-F5344CB8AC3E}">
         <p14:creationId xmlns:p14="http://schemas.microsoft.com/office/powerpoint/2010/main" val="709248971"/>
-      </p:ext>
-    </p:extLst>
-  </p:cSld>
-  <p:clrMapOvr>
-    <a:masterClrMapping/>
-  </p:clrMapOvr>
-</p:sld>
-</file>
-
-<file path=ppt/slides/slide4.xml><?xml version="1.0" encoding="utf-8"?>
-<p:sld xmlns:a="http://schemas.openxmlformats.org/drawingml/2006/main" xmlns:r="http://schemas.openxmlformats.org/officeDocument/2006/relationships" xmlns:p="http://schemas.openxmlformats.org/presentationml/2006/main">
-  <p:cSld>
-    <p:spTree>
-      <p:nvGrpSpPr>
-        <p:cNvPr id="1" name=""/>
-        <p:cNvGrpSpPr/>
-        <p:nvPr/>
-      </p:nvGrpSpPr>
-      <p:grpSpPr>
-        <a:xfrm>
-          <a:off x="0" y="0"/>
-          <a:ext cx="0" cy="0"/>
-          <a:chOff x="0" y="0"/>
-          <a:chExt cx="0" cy="0"/>
-        </a:xfrm>
-      </p:grpSpPr>
-      <p:sp>
-        <p:nvSpPr>
-          <p:cNvPr id="2" name="Title 1">
-            <a:extLst>
-              <a:ext uri="{FF2B5EF4-FFF2-40B4-BE49-F238E27FC236}">
-                <a16:creationId xmlns:a16="http://schemas.microsoft.com/office/drawing/2014/main" id="{EEF19FE5-5CE6-D548-86E8-FD37138C75D8}"/>
-              </a:ext>
-            </a:extLst>
-          </p:cNvPr>
-          <p:cNvSpPr>
-            <a:spLocks noGrp="1"/>
-          </p:cNvSpPr>
-          <p:nvPr>
-            <p:ph type="title"/>
-          </p:nvPr>
-        </p:nvSpPr>
-        <p:spPr/>
-        <p:txBody>
-          <a:bodyPr/>
-          <a:lstStyle/>
-          <a:p>
-            <a:r>
-              <a:rPr lang="en-US" dirty="0"/>
-              <a:t>Types of Internet Filtering to Measure</a:t>
-            </a:r>
-          </a:p>
-        </p:txBody>
-      </p:sp>
-      <p:sp>
-        <p:nvSpPr>
-          <p:cNvPr id="3" name="Content Placeholder 2">
-            <a:extLst>
-              <a:ext uri="{FF2B5EF4-FFF2-40B4-BE49-F238E27FC236}">
-                <a16:creationId xmlns:a16="http://schemas.microsoft.com/office/drawing/2014/main" id="{1FD038DC-FAFB-1C47-A257-FA3B78BAABB8}"/>
-              </a:ext>
-            </a:extLst>
-          </p:cNvPr>
-          <p:cNvSpPr>
-            <a:spLocks noGrp="1"/>
-          </p:cNvSpPr>
-          <p:nvPr>
-            <p:ph idx="1"/>
-          </p:nvPr>
-        </p:nvSpPr>
-        <p:spPr/>
-        <p:txBody>
-          <a:bodyPr/>
-          <a:lstStyle/>
-          <a:p>
-            <a:r>
-              <a:rPr lang="en-US" dirty="0"/>
-              <a:t>DNS</a:t>
-            </a:r>
-          </a:p>
-          <a:p>
-            <a:endParaRPr lang="en-US" dirty="0"/>
-          </a:p>
-          <a:p>
-            <a:r>
-              <a:rPr lang="en-US" dirty="0"/>
-              <a:t>TCP/IP</a:t>
-            </a:r>
-          </a:p>
-          <a:p>
-            <a:endParaRPr lang="en-US" dirty="0"/>
-          </a:p>
-          <a:p>
-            <a:r>
-              <a:rPr lang="en-US" dirty="0"/>
-              <a:t>HTTP</a:t>
-            </a:r>
-          </a:p>
-        </p:txBody>
-      </p:sp>
-    </p:spTree>
-    <p:extLst>
-      <p:ext uri="{BB962C8B-B14F-4D97-AF65-F5344CB8AC3E}">
-        <p14:creationId xmlns:p14="http://schemas.microsoft.com/office/powerpoint/2010/main" val="552407338"/>
       </p:ext>
     </p:extLst>
   </p:cSld>
@@ -12352,7 +13417,7 @@
           <p:cNvPr id="2" name="Title 1">
             <a:extLst>
               <a:ext uri="{FF2B5EF4-FFF2-40B4-BE49-F238E27FC236}">
-                <a16:creationId xmlns:a16="http://schemas.microsoft.com/office/drawing/2014/main" id="{A112178E-A131-D84C-BCD7-2B98BFBE4A8D}"/>
+                <a16:creationId xmlns:a16="http://schemas.microsoft.com/office/drawing/2014/main" id="{DA863D1B-C05C-C24E-B57E-74F0D3773F39}"/>
               </a:ext>
             </a:extLst>
           </p:cNvPr>
@@ -12363,28 +13428,114 @@
             <p:ph type="title"/>
           </p:nvPr>
         </p:nvSpPr>
+        <p:spPr/>
+        <p:txBody>
+          <a:bodyPr>
+            <a:normAutofit/>
+          </a:bodyPr>
+          <a:lstStyle/>
+          <a:p>
+            <a:r>
+              <a:rPr lang="en-US" dirty="0"/>
+              <a:t>Google Transparency Report</a:t>
+            </a:r>
+          </a:p>
+        </p:txBody>
+      </p:sp>
+      <p:pic>
+        <p:nvPicPr>
+          <p:cNvPr id="4" name="Picture 3">
+            <a:extLst>
+              <a:ext uri="{FF2B5EF4-FFF2-40B4-BE49-F238E27FC236}">
+                <a16:creationId xmlns:a16="http://schemas.microsoft.com/office/drawing/2014/main" id="{916FB999-AA50-4647-9A53-7B98B9DE9F7F}"/>
+              </a:ext>
+            </a:extLst>
+          </p:cNvPr>
+          <p:cNvPicPr>
+            <a:picLocks noChangeAspect="1"/>
+          </p:cNvPicPr>
+          <p:nvPr/>
+        </p:nvPicPr>
+        <p:blipFill>
+          <a:blip r:embed="rId2"/>
+          <a:stretch>
+            <a:fillRect/>
+          </a:stretch>
+        </p:blipFill>
         <p:spPr>
           <a:xfrm>
-            <a:off x="838200" y="1531452"/>
-            <a:ext cx="10515600" cy="1325563"/>
+            <a:off x="568386" y="1570702"/>
+            <a:ext cx="7258388" cy="4852219"/>
           </a:xfrm>
+          <a:prstGeom prst="rect">
+            <a:avLst/>
+          </a:prstGeom>
         </p:spPr>
-        <p:txBody>
-          <a:bodyPr/>
-          <a:lstStyle/>
-          <a:p>
-            <a:pPr algn="ctr"/>
-            <a:r>
-              <a:rPr lang="en-US" dirty="0"/>
-              <a:t>Measuring DNS Manipulation</a:t>
-            </a:r>
-          </a:p>
-        </p:txBody>
-      </p:sp>
+      </p:pic>
+      <p:pic>
+        <p:nvPicPr>
+          <p:cNvPr id="5" name="Picture 4">
+            <a:extLst>
+              <a:ext uri="{FF2B5EF4-FFF2-40B4-BE49-F238E27FC236}">
+                <a16:creationId xmlns:a16="http://schemas.microsoft.com/office/drawing/2014/main" id="{3E6C20B2-DDC1-3149-9EA7-2B10A8D6A7B4}"/>
+              </a:ext>
+            </a:extLst>
+          </p:cNvPr>
+          <p:cNvPicPr>
+            <a:picLocks noChangeAspect="1"/>
+          </p:cNvPicPr>
+          <p:nvPr/>
+        </p:nvPicPr>
+        <p:blipFill>
+          <a:blip r:embed="rId3"/>
+          <a:stretch>
+            <a:fillRect/>
+          </a:stretch>
+        </p:blipFill>
+        <p:spPr>
+          <a:xfrm>
+            <a:off x="7293487" y="1860416"/>
+            <a:ext cx="4060313" cy="1464259"/>
+          </a:xfrm>
+          <a:prstGeom prst="rect">
+            <a:avLst/>
+          </a:prstGeom>
+        </p:spPr>
+      </p:pic>
+      <p:pic>
+        <p:nvPicPr>
+          <p:cNvPr id="6" name="Picture 5">
+            <a:extLst>
+              <a:ext uri="{FF2B5EF4-FFF2-40B4-BE49-F238E27FC236}">
+                <a16:creationId xmlns:a16="http://schemas.microsoft.com/office/drawing/2014/main" id="{14615647-35F0-E74A-84A0-A931EE71B5E3}"/>
+              </a:ext>
+            </a:extLst>
+          </p:cNvPr>
+          <p:cNvPicPr>
+            <a:picLocks noChangeAspect="1"/>
+          </p:cNvPicPr>
+          <p:nvPr/>
+        </p:nvPicPr>
+        <p:blipFill>
+          <a:blip r:embed="rId4"/>
+          <a:stretch>
+            <a:fillRect/>
+          </a:stretch>
+        </p:blipFill>
+        <p:spPr>
+          <a:xfrm>
+            <a:off x="7393858" y="3324675"/>
+            <a:ext cx="3918486" cy="1040848"/>
+          </a:xfrm>
+          <a:prstGeom prst="rect">
+            <a:avLst/>
+          </a:prstGeom>
+        </p:spPr>
+      </p:pic>
     </p:spTree>
     <p:extLst>
       <p:ext uri="{BB962C8B-B14F-4D97-AF65-F5344CB8AC3E}">
-        <p14:creationId xmlns:p14="http://schemas.microsoft.com/office/powerpoint/2010/main" val="1679628099"/>
+        <p14:creationId xmlns:p14="http://schemas.microsoft.com/office/powerpoint/2010/main" val="1197181620"/>
       </p:ext>
     </p:extLst>
   </p:cSld>
@@ -12413,87 +13564,48 @@
       </p:grpSpPr>
       <p:sp>
         <p:nvSpPr>
-          <p:cNvPr id="2" name="Title 1"/>
+          <p:cNvPr id="2" name="Title 1">
+            <a:extLst>
+              <a:ext uri="{FF2B5EF4-FFF2-40B4-BE49-F238E27FC236}">
+                <a16:creationId xmlns:a16="http://schemas.microsoft.com/office/drawing/2014/main" id="{A1F94D24-ECFC-3848-B9C1-0F72E401234A}"/>
+              </a:ext>
+            </a:extLst>
+          </p:cNvPr>
           <p:cNvSpPr>
             <a:spLocks noGrp="1"/>
           </p:cNvSpPr>
           <p:nvPr>
             <p:ph type="title"/>
-          </p:nvPr>
-        </p:nvSpPr>
-        <p:spPr/>
-        <p:txBody>
-          <a:bodyPr/>
-          <a:lstStyle/>
-          <a:p>
-            <a:r>
-              <a:rPr lang="en-US" dirty="0"/>
-              <a:t>Detecting DNS Manipulation</a:t>
-            </a:r>
-          </a:p>
-        </p:txBody>
-      </p:sp>
-      <p:sp>
-        <p:nvSpPr>
-          <p:cNvPr id="3" name="Content Placeholder 2"/>
-          <p:cNvSpPr>
-            <a:spLocks noGrp="1"/>
-          </p:cNvSpPr>
-          <p:nvPr>
-            <p:ph idx="1"/>
           </p:nvPr>
         </p:nvSpPr>
         <p:spPr>
           <a:xfrm>
-            <a:off x="609600" y="1600205"/>
-            <a:ext cx="10972800" cy="1786583"/>
+            <a:off x="240891" y="512609"/>
+            <a:ext cx="3770671" cy="1325563"/>
           </a:xfrm>
         </p:spPr>
         <p:txBody>
-          <a:bodyPr/>
-          <a:lstStyle/>
-          <a:p>
-            <a:r>
-              <a:rPr lang="en-US" sz="3200" b="1" dirty="0" err="1">
-                <a:solidFill>
-                  <a:srgbClr val="FF0000"/>
-                </a:solidFill>
-              </a:rPr>
-              <a:t>Strawman</a:t>
-            </a:r>
-            <a:r>
-              <a:rPr lang="en-US" sz="3200" b="1" dirty="0">
-                <a:solidFill>
-                  <a:srgbClr val="FF0000"/>
-                </a:solidFill>
-              </a:rPr>
-              <a:t>:</a:t>
-            </a:r>
-            <a:r>
-              <a:rPr lang="en-US" sz="3200" dirty="0"/>
-              <a:t> Find instances where the IP address returned does not agree with the “right answer”.</a:t>
-            </a:r>
-          </a:p>
-          <a:p>
-            <a:r>
-              <a:rPr lang="en-US" sz="3200" b="1" dirty="0">
-                <a:solidFill>
-                  <a:srgbClr val="FF0000"/>
-                </a:solidFill>
-              </a:rPr>
-              <a:t>Problem: </a:t>
-            </a:r>
-            <a:r>
-              <a:rPr lang="en-US" sz="3200" dirty="0"/>
-              <a:t>There is not a single right answer…</a:t>
-            </a:r>
-            <a:endParaRPr lang="en-US" sz="3200" b="1" dirty="0"/>
+          <a:bodyPr>
+            <a:normAutofit fontScale="90000"/>
+          </a:bodyPr>
+          <a:lstStyle/>
+          <a:p>
+            <a:r>
+              <a:rPr lang="en-US" sz="4000" dirty="0"/>
+              <a:t>OONI: Open Observatory of Network Interference</a:t>
+            </a:r>
           </a:p>
         </p:txBody>
       </p:sp>
       <p:pic>
         <p:nvPicPr>
-          <p:cNvPr id="4" name="Picture 3"/>
+          <p:cNvPr id="3" name="Picture 2">
+            <a:extLst>
+              <a:ext uri="{FF2B5EF4-FFF2-40B4-BE49-F238E27FC236}">
+                <a16:creationId xmlns:a16="http://schemas.microsoft.com/office/drawing/2014/main" id="{E9809C3C-40D3-0046-9C4E-0980AB0FCB6F}"/>
+              </a:ext>
+            </a:extLst>
+          </p:cNvPr>
           <p:cNvPicPr>
             <a:picLocks noChangeAspect="1"/>
           </p:cNvPicPr>
@@ -12507,244 +13619,54 @@
         </p:blipFill>
         <p:spPr>
           <a:xfrm>
-            <a:off x="1661144" y="3386784"/>
-            <a:ext cx="5261949" cy="2668453"/>
+            <a:off x="5627462" y="0"/>
+            <a:ext cx="5105956" cy="6858000"/>
           </a:xfrm>
           <a:prstGeom prst="rect">
             <a:avLst/>
           </a:prstGeom>
         </p:spPr>
       </p:pic>
-      <p:sp>
-        <p:nvSpPr>
-          <p:cNvPr id="5" name="TextBox 4"/>
-          <p:cNvSpPr txBox="1"/>
+      <p:pic>
+        <p:nvPicPr>
+          <p:cNvPr id="4" name="Picture 3">
+            <a:extLst>
+              <a:ext uri="{FF2B5EF4-FFF2-40B4-BE49-F238E27FC236}">
+                <a16:creationId xmlns:a16="http://schemas.microsoft.com/office/drawing/2014/main" id="{0DE1AE1C-E220-1340-A241-240234CF4D49}"/>
+              </a:ext>
+            </a:extLst>
+          </p:cNvPr>
+          <p:cNvPicPr>
+            <a:picLocks noChangeAspect="1"/>
+          </p:cNvPicPr>
           <p:nvPr/>
-        </p:nvSpPr>
+        </p:nvPicPr>
+        <p:blipFill>
+          <a:blip r:embed="rId3"/>
+          <a:stretch>
+            <a:fillRect/>
+          </a:stretch>
+        </p:blipFill>
         <p:spPr>
           <a:xfrm>
-            <a:off x="7876705" y="4128835"/>
-            <a:ext cx="3869204" cy="1487651"/>
-          </a:xfrm>
-          <a:prstGeom prst="rect">
-            <a:avLst/>
-          </a:prstGeom>
-          <a:solidFill>
-            <a:srgbClr val="9ED3D7"/>
-          </a:solidFill>
-        </p:spPr>
-        <p:txBody>
-          <a:bodyPr wrap="square" rtlCol="0">
-            <a:spAutoFit/>
-          </a:bodyPr>
-          <a:lstStyle/>
-          <a:p>
-            <a:r>
-              <a:rPr lang="en-US" sz="2400" dirty="0"/>
-              <a:t>Extreme example: IP addresses returned for </a:t>
-            </a:r>
-            <a:r>
-              <a:rPr lang="en-US" sz="2400" dirty="0" err="1">
-                <a:latin typeface="Courier"/>
-                <a:cs typeface="Courier"/>
-              </a:rPr>
-              <a:t>google.com</a:t>
-            </a:r>
-            <a:r>
-              <a:rPr lang="en-US" sz="2400" dirty="0">
-                <a:latin typeface="Courier"/>
-                <a:cs typeface="Courier"/>
-              </a:rPr>
-              <a:t> </a:t>
-            </a:r>
-            <a:br>
-              <a:rPr lang="en-US" sz="2400" dirty="0">
-                <a:latin typeface="Courier"/>
-                <a:cs typeface="Courier"/>
-              </a:rPr>
-            </a:br>
-            <a:r>
-              <a:rPr lang="en-US" sz="1867" dirty="0">
-                <a:cs typeface="Courier"/>
-              </a:rPr>
-              <a:t>(Katz-Bassett et al.)</a:t>
-            </a:r>
-            <a:endParaRPr lang="en-US" sz="2400" dirty="0">
-              <a:cs typeface="Courier"/>
-            </a:endParaRPr>
-          </a:p>
-        </p:txBody>
-      </p:sp>
-      <p:sp>
-        <p:nvSpPr>
-          <p:cNvPr id="7" name="TextBox 6"/>
-          <p:cNvSpPr txBox="1"/>
-          <p:nvPr/>
-        </p:nvSpPr>
-        <p:spPr>
-          <a:xfrm>
-            <a:off x="609600" y="6160373"/>
-            <a:ext cx="9730117" cy="666977"/>
+            <a:off x="1136855" y="2655527"/>
+            <a:ext cx="3457268" cy="1546946"/>
           </a:xfrm>
           <a:prstGeom prst="rect">
             <a:avLst/>
           </a:prstGeom>
         </p:spPr>
-        <p:style>
-          <a:lnRef idx="1">
-            <a:schemeClr val="dk1"/>
-          </a:lnRef>
-          <a:fillRef idx="2">
-            <a:schemeClr val="dk1"/>
-          </a:fillRef>
-          <a:effectRef idx="1">
-            <a:schemeClr val="dk1"/>
-          </a:effectRef>
-          <a:fontRef idx="minor">
-            <a:schemeClr val="dk1"/>
-          </a:fontRef>
-        </p:style>
-        <p:txBody>
-          <a:bodyPr wrap="square" rtlCol="0">
-            <a:spAutoFit/>
-          </a:bodyPr>
-          <a:lstStyle/>
-          <a:p>
-            <a:r>
-              <a:rPr lang="en-US" sz="1867" dirty="0"/>
-              <a:t>Pearce, Paul, et al. "Global Measurement of DNS Manipulation." </a:t>
-            </a:r>
-            <a:r>
-              <a:rPr lang="en-US" sz="1867" i="1" dirty="0"/>
-              <a:t>26th {USENIX} Security Symposium ({USENIX} Security 17)</a:t>
-            </a:r>
-            <a:r>
-              <a:rPr lang="en-US" sz="1867" dirty="0"/>
-              <a:t>. USENIX} Association, 2017.</a:t>
-            </a:r>
-            <a:endParaRPr lang="en-US" sz="1867" b="1" dirty="0">
-              <a:solidFill>
-                <a:srgbClr val="FF0000"/>
-              </a:solidFill>
-            </a:endParaRPr>
-          </a:p>
-        </p:txBody>
-      </p:sp>
+      </p:pic>
     </p:spTree>
     <p:extLst>
       <p:ext uri="{BB962C8B-B14F-4D97-AF65-F5344CB8AC3E}">
-        <p14:creationId xmlns:p14="http://schemas.microsoft.com/office/powerpoint/2010/main" val="1984207832"/>
+        <p14:creationId xmlns:p14="http://schemas.microsoft.com/office/powerpoint/2010/main" val="1505765920"/>
       </p:ext>
     </p:extLst>
   </p:cSld>
   <p:clrMapOvr>
     <a:masterClrMapping/>
   </p:clrMapOvr>
-  <p:timing>
-    <p:tnLst>
-      <p:par>
-        <p:cTn id="1" dur="indefinite" restart="never" nodeType="tmRoot">
-          <p:childTnLst>
-            <p:seq concurrent="1" nextAc="seek">
-              <p:cTn id="2" dur="indefinite" nodeType="mainSeq">
-                <p:childTnLst>
-                  <p:par>
-                    <p:cTn id="3" fill="hold">
-                      <p:stCondLst>
-                        <p:cond delay="indefinite"/>
-                      </p:stCondLst>
-                      <p:childTnLst>
-                        <p:par>
-                          <p:cTn id="4" fill="hold">
-                            <p:stCondLst>
-                              <p:cond delay="0"/>
-                            </p:stCondLst>
-                            <p:childTnLst>
-                              <p:par>
-                                <p:cTn id="5" presetID="1" presetClass="entr" presetSubtype="0" fill="hold" grpId="0" nodeType="clickEffect">
-                                  <p:stCondLst>
-                                    <p:cond delay="0"/>
-                                  </p:stCondLst>
-                                  <p:childTnLst>
-                                    <p:set>
-                                      <p:cBhvr>
-                                        <p:cTn id="6" dur="1" fill="hold">
-                                          <p:stCondLst>
-                                            <p:cond delay="0"/>
-                                          </p:stCondLst>
-                                        </p:cTn>
-                                        <p:tgtEl>
-                                          <p:spTgt spid="5"/>
-                                        </p:tgtEl>
-                                        <p:attrNameLst>
-                                          <p:attrName>style.visibility</p:attrName>
-                                        </p:attrNameLst>
-                                      </p:cBhvr>
-                                      <p:to>
-                                        <p:strVal val="visible"/>
-                                      </p:to>
-                                    </p:set>
-                                  </p:childTnLst>
-                                </p:cTn>
-                              </p:par>
-                              <p:par>
-                                <p:cTn id="7" presetID="1" presetClass="entr" presetSubtype="0" fill="hold" nodeType="withEffect">
-                                  <p:stCondLst>
-                                    <p:cond delay="0"/>
-                                  </p:stCondLst>
-                                  <p:childTnLst>
-                                    <p:set>
-                                      <p:cBhvr>
-                                        <p:cTn id="8" dur="1" fill="hold">
-                                          <p:stCondLst>
-                                            <p:cond delay="0"/>
-                                          </p:stCondLst>
-                                        </p:cTn>
-                                        <p:tgtEl>
-                                          <p:spTgt spid="4"/>
-                                        </p:tgtEl>
-                                        <p:attrNameLst>
-                                          <p:attrName>style.visibility</p:attrName>
-                                        </p:attrNameLst>
-                                      </p:cBhvr>
-                                      <p:to>
-                                        <p:strVal val="visible"/>
-                                      </p:to>
-                                    </p:set>
-                                  </p:childTnLst>
-                                </p:cTn>
-                              </p:par>
-                            </p:childTnLst>
-                          </p:cTn>
-                        </p:par>
-                      </p:childTnLst>
-                    </p:cTn>
-                  </p:par>
-                </p:childTnLst>
-              </p:cTn>
-              <p:prevCondLst>
-                <p:cond evt="onPrev" delay="0">
-                  <p:tgtEl>
-                    <p:sldTgt/>
-                  </p:tgtEl>
-                </p:cond>
-              </p:prevCondLst>
-              <p:nextCondLst>
-                <p:cond evt="onNext" delay="0">
-                  <p:tgtEl>
-                    <p:sldTgt/>
-                  </p:tgtEl>
-                </p:cond>
-              </p:nextCondLst>
-            </p:seq>
-          </p:childTnLst>
-        </p:cTn>
-      </p:par>
-    </p:tnLst>
-    <p:bldLst>
-      <p:bldP spid="5" grpId="0" animBg="1"/>
-    </p:bldLst>
-  </p:timing>
 </p:sld>
 </file>
 
@@ -12767,7 +13689,13 @@
       </p:grpSpPr>
       <p:sp>
         <p:nvSpPr>
-          <p:cNvPr id="2" name="Title 1"/>
+          <p:cNvPr id="2" name="Title 1">
+            <a:extLst>
+              <a:ext uri="{FF2B5EF4-FFF2-40B4-BE49-F238E27FC236}">
+                <a16:creationId xmlns:a16="http://schemas.microsoft.com/office/drawing/2014/main" id="{2A8E5B40-F440-E747-A84D-C74F7372450C}"/>
+              </a:ext>
+            </a:extLst>
+          </p:cNvPr>
           <p:cNvSpPr>
             <a:spLocks noGrp="1"/>
           </p:cNvSpPr>
@@ -12775,68 +13703,186 @@
             <p:ph type="title"/>
           </p:nvPr>
         </p:nvSpPr>
-        <p:spPr/>
+        <p:spPr>
+          <a:xfrm>
+            <a:off x="838200" y="365125"/>
+            <a:ext cx="10515600" cy="1080217"/>
+          </a:xfrm>
+        </p:spPr>
         <p:txBody>
           <a:bodyPr/>
           <a:lstStyle/>
           <a:p>
             <a:r>
               <a:rPr lang="en-US" dirty="0"/>
-              <a:t>Consistency Metrics</a:t>
-            </a:r>
-          </a:p>
-        </p:txBody>
-      </p:sp>
-      <p:sp>
-        <p:nvSpPr>
-          <p:cNvPr id="3" name="Content Placeholder 2"/>
-          <p:cNvSpPr>
-            <a:spLocks noGrp="1"/>
-          </p:cNvSpPr>
-          <p:nvPr>
-            <p:ph idx="1"/>
-          </p:nvPr>
-        </p:nvSpPr>
-        <p:spPr/>
-        <p:txBody>
-          <a:bodyPr/>
-          <a:lstStyle/>
-          <a:p>
-            <a:r>
-              <a:rPr lang="en-US" dirty="0"/>
-              <a:t>IP Address</a:t>
-            </a:r>
-          </a:p>
-          <a:p>
-            <a:r>
-              <a:rPr lang="en-US" dirty="0"/>
-              <a:t>Autonomous System (“ISP”)</a:t>
-            </a:r>
-          </a:p>
-          <a:p>
-            <a:r>
-              <a:rPr lang="en-US" dirty="0"/>
-              <a:t>HTTP Content returned</a:t>
-            </a:r>
-          </a:p>
-          <a:p>
-            <a:r>
-              <a:rPr lang="en-US" dirty="0"/>
-              <a:t>Consistency of HTTPS certificate</a:t>
-            </a:r>
-          </a:p>
-          <a:p>
-            <a:r>
-              <a:rPr lang="en-US" dirty="0"/>
-              <a:t>Reverse DNS lookup (IP address to name)</a:t>
-            </a:r>
+              <a:t>Case Study: Uganda Election (2021)</a:t>
+            </a:r>
+          </a:p>
+        </p:txBody>
+      </p:sp>
+      <p:pic>
+        <p:nvPicPr>
+          <p:cNvPr id="3" name="Picture 2">
+            <a:extLst>
+              <a:ext uri="{FF2B5EF4-FFF2-40B4-BE49-F238E27FC236}">
+                <a16:creationId xmlns:a16="http://schemas.microsoft.com/office/drawing/2014/main" id="{3550F3D9-D78D-564A-A7A0-893601834673}"/>
+              </a:ext>
+            </a:extLst>
+          </p:cNvPr>
+          <p:cNvPicPr>
+            <a:picLocks noChangeAspect="1"/>
+          </p:cNvPicPr>
+          <p:nvPr/>
+        </p:nvPicPr>
+        <p:blipFill>
+          <a:blip r:embed="rId2"/>
+          <a:stretch>
+            <a:fillRect/>
+          </a:stretch>
+        </p:blipFill>
+        <p:spPr>
+          <a:xfrm>
+            <a:off x="494070" y="1367762"/>
+            <a:ext cx="6092560" cy="5202692"/>
+          </a:xfrm>
+          <a:prstGeom prst="rect">
+            <a:avLst/>
+          </a:prstGeom>
+        </p:spPr>
+      </p:pic>
+      <p:sp>
+        <p:nvSpPr>
+          <p:cNvPr id="4" name="TextBox 3">
+            <a:extLst>
+              <a:ext uri="{FF2B5EF4-FFF2-40B4-BE49-F238E27FC236}">
+                <a16:creationId xmlns:a16="http://schemas.microsoft.com/office/drawing/2014/main" id="{22776D4B-E3D9-5346-840A-770A88FA8383}"/>
+              </a:ext>
+            </a:extLst>
+          </p:cNvPr>
+          <p:cNvSpPr txBox="1"/>
+          <p:nvPr/>
+        </p:nvSpPr>
+        <p:spPr>
+          <a:xfrm>
+            <a:off x="1106129" y="6492875"/>
+            <a:ext cx="5157019" cy="338554"/>
+          </a:xfrm>
+          <a:prstGeom prst="rect">
+            <a:avLst/>
+          </a:prstGeom>
+          <a:solidFill>
+            <a:schemeClr val="bg1">
+              <a:lumMod val="65000"/>
+            </a:schemeClr>
+          </a:solidFill>
+        </p:spPr>
+        <p:txBody>
+          <a:bodyPr wrap="square" rtlCol="0">
+            <a:spAutoFit/>
+          </a:bodyPr>
+          <a:lstStyle/>
+          <a:p>
+            <a:r>
+              <a:rPr lang="en-US" sz="1600" dirty="0"/>
+              <a:t>https://</a:t>
+            </a:r>
+            <a:r>
+              <a:rPr lang="en-US" sz="1600" dirty="0" err="1"/>
+              <a:t>transparencyreport.google.com</a:t>
+            </a:r>
+            <a:r>
+              <a:rPr lang="en-US" sz="1600" dirty="0"/>
+              <a:t>/traffic/overview</a:t>
+            </a:r>
+          </a:p>
+        </p:txBody>
+      </p:sp>
+      <p:pic>
+        <p:nvPicPr>
+          <p:cNvPr id="5" name="Picture 4">
+            <a:extLst>
+              <a:ext uri="{FF2B5EF4-FFF2-40B4-BE49-F238E27FC236}">
+                <a16:creationId xmlns:a16="http://schemas.microsoft.com/office/drawing/2014/main" id="{B51BF9A9-5853-9E41-9F5F-E08294EFF2BB}"/>
+              </a:ext>
+            </a:extLst>
+          </p:cNvPr>
+          <p:cNvPicPr>
+            <a:picLocks noChangeAspect="1"/>
+          </p:cNvPicPr>
+          <p:nvPr/>
+        </p:nvPicPr>
+        <p:blipFill>
+          <a:blip r:embed="rId3"/>
+          <a:stretch>
+            <a:fillRect/>
+          </a:stretch>
+        </p:blipFill>
+        <p:spPr>
+          <a:xfrm>
+            <a:off x="6875207" y="1246263"/>
+            <a:ext cx="4985985" cy="5344509"/>
+          </a:xfrm>
+          <a:prstGeom prst="rect">
+            <a:avLst/>
+          </a:prstGeom>
+        </p:spPr>
+      </p:pic>
+      <p:sp>
+        <p:nvSpPr>
+          <p:cNvPr id="6" name="TextBox 5">
+            <a:extLst>
+              <a:ext uri="{FF2B5EF4-FFF2-40B4-BE49-F238E27FC236}">
+                <a16:creationId xmlns:a16="http://schemas.microsoft.com/office/drawing/2014/main" id="{EDE5F599-2D33-A446-8DE7-6C0B710FF4E9}"/>
+              </a:ext>
+            </a:extLst>
+          </p:cNvPr>
+          <p:cNvSpPr txBox="1"/>
+          <p:nvPr/>
+        </p:nvSpPr>
+        <p:spPr>
+          <a:xfrm>
+            <a:off x="6948771" y="6396335"/>
+            <a:ext cx="5069133" cy="461665"/>
+          </a:xfrm>
+          <a:prstGeom prst="rect">
+            <a:avLst/>
+          </a:prstGeom>
+          <a:solidFill>
+            <a:schemeClr val="bg1">
+              <a:lumMod val="65000"/>
+            </a:schemeClr>
+          </a:solidFill>
+        </p:spPr>
+        <p:txBody>
+          <a:bodyPr wrap="square" rtlCol="0">
+            <a:spAutoFit/>
+          </a:bodyPr>
+          <a:lstStyle/>
+          <a:p>
+            <a:r>
+              <a:rPr lang="en-US" sz="1200" dirty="0"/>
+              <a:t>https://</a:t>
+            </a:r>
+            <a:r>
+              <a:rPr lang="en-US" sz="1200" dirty="0" err="1"/>
+              <a:t>ooni.org</a:t>
+            </a:r>
+            <a:r>
+              <a:rPr lang="en-US" sz="1200" dirty="0"/>
+              <a:t>/post/2021-uganda-general-election-blocks-and-outage/images/social-media-</a:t>
+            </a:r>
+            <a:r>
+              <a:rPr lang="en-US" sz="1200" dirty="0" err="1"/>
+              <a:t>chart.png</a:t>
+            </a:r>
+            <a:endParaRPr lang="en-US" sz="1200" dirty="0"/>
           </a:p>
         </p:txBody>
       </p:sp>
     </p:spTree>
     <p:extLst>
       <p:ext uri="{BB962C8B-B14F-4D97-AF65-F5344CB8AC3E}">
-        <p14:creationId xmlns:p14="http://schemas.microsoft.com/office/powerpoint/2010/main" val="902176760"/>
+        <p14:creationId xmlns:p14="http://schemas.microsoft.com/office/powerpoint/2010/main" val="3134454172"/>
       </p:ext>
     </p:extLst>
   </p:cSld>
@@ -12865,7 +13911,13 @@
       </p:grpSpPr>
       <p:sp>
         <p:nvSpPr>
-          <p:cNvPr id="2" name="Title 1"/>
+          <p:cNvPr id="2" name="Title 1">
+            <a:extLst>
+              <a:ext uri="{FF2B5EF4-FFF2-40B4-BE49-F238E27FC236}">
+                <a16:creationId xmlns:a16="http://schemas.microsoft.com/office/drawing/2014/main" id="{948B2141-0C2B-204D-B216-3716A7CE6C90}"/>
+              </a:ext>
+            </a:extLst>
+          </p:cNvPr>
           <p:cNvSpPr>
             <a:spLocks noGrp="1"/>
           </p:cNvSpPr>
@@ -12875,57 +13927,124 @@
         </p:nvSpPr>
         <p:spPr/>
         <p:txBody>
+          <a:bodyPr>
+            <a:normAutofit fontScale="90000"/>
+          </a:bodyPr>
+          <a:lstStyle/>
+          <a:p>
+            <a:r>
+              <a:rPr lang="en-US" dirty="0"/>
+              <a:t>Censorship Measurement is an Imperfect Process</a:t>
+            </a:r>
+          </a:p>
+        </p:txBody>
+      </p:sp>
+      <p:sp>
+        <p:nvSpPr>
+          <p:cNvPr id="3" name="Text Placeholder 2">
+            <a:extLst>
+              <a:ext uri="{FF2B5EF4-FFF2-40B4-BE49-F238E27FC236}">
+                <a16:creationId xmlns:a16="http://schemas.microsoft.com/office/drawing/2014/main" id="{BFB80B8F-F42B-7648-8139-567158E6DBBA}"/>
+              </a:ext>
+            </a:extLst>
+          </p:cNvPr>
+          <p:cNvSpPr>
+            <a:spLocks noGrp="1"/>
+          </p:cNvSpPr>
+          <p:nvPr>
+            <p:ph type="body" idx="1"/>
+          </p:nvPr>
+        </p:nvSpPr>
+        <p:spPr/>
+        <p:txBody>
           <a:bodyPr/>
           <a:lstStyle/>
           <a:p>
+            <a:pPr>
+              <a:lnSpc>
+                <a:spcPct val="100000"/>
+              </a:lnSpc>
+            </a:pPr>
             <a:r>
               <a:rPr lang="en-US" dirty="0"/>
-              <a:t>Independently Verifiable Metrics</a:t>
-            </a:r>
-          </a:p>
-        </p:txBody>
-      </p:sp>
-      <p:sp>
-        <p:nvSpPr>
-          <p:cNvPr id="3" name="Content Placeholder 2"/>
-          <p:cNvSpPr>
-            <a:spLocks noGrp="1"/>
-          </p:cNvSpPr>
-          <p:nvPr>
-            <p:ph idx="1"/>
-          </p:nvPr>
-        </p:nvSpPr>
-        <p:spPr/>
-        <p:txBody>
-          <a:bodyPr/>
-          <a:lstStyle/>
-          <a:p>
-            <a:r>
+              <a:t>Measurement at scale is always challenging.</a:t>
+            </a:r>
+            <a:br>
               <a:rPr lang="en-US" dirty="0"/>
-              <a:t>Content of HTTPS Certificate</a:t>
-            </a:r>
-          </a:p>
-          <a:p>
-            <a:pPr lvl="1"/>
+            </a:br>
+            <a:endParaRPr lang="en-US" dirty="0"/>
+          </a:p>
+          <a:p>
+            <a:pPr>
+              <a:lnSpc>
+                <a:spcPct val="100000"/>
+              </a:lnSpc>
+            </a:pPr>
             <a:r>
               <a:rPr lang="en-US" dirty="0"/>
-              <a:t>Does the IP address present a correct domain in a valid, browser-trusted certificate</a:t>
-            </a:r>
-          </a:p>
-          <a:p>
-            <a:pPr lvl="1"/>
+              <a:t>Gathering measurements from locations where censorship is occurring is even more challenging.</a:t>
+            </a:r>
+          </a:p>
+          <a:p>
+            <a:pPr>
+              <a:lnSpc>
+                <a:spcPct val="100000"/>
+              </a:lnSpc>
+            </a:pPr>
             <a:endParaRPr lang="en-US" dirty="0"/>
           </a:p>
           <a:p>
+            <a:pPr>
+              <a:lnSpc>
+                <a:spcPct val="100000"/>
+              </a:lnSpc>
+            </a:pPr>
             <a:r>
               <a:rPr lang="en-US" dirty="0"/>
-              <a:t>Same test, but with certificate fetched with SNI (the domain name)</a:t>
-            </a:r>
-          </a:p>
-          <a:p>
+              <a:t>It is possible to measure filtering/blocking directly with certain tools (Tor’s Open Observatory of Network Interference, OONI, is the leading tool).</a:t>
+            </a:r>
+          </a:p>
+          <a:p>
+            <a:pPr>
+              <a:lnSpc>
+                <a:spcPct val="100000"/>
+              </a:lnSpc>
+            </a:pPr>
             <a:endParaRPr lang="en-US" dirty="0"/>
           </a:p>
           <a:p>
+            <a:pPr>
+              <a:lnSpc>
+                <a:spcPct val="100000"/>
+              </a:lnSpc>
+            </a:pPr>
+            <a:r>
+              <a:rPr lang="en-US" dirty="0"/>
+              <a:t>The techniques we will explore largely involve </a:t>
+            </a:r>
+            <a:r>
+              <a:rPr lang="en-US" b="1" dirty="0"/>
+              <a:t>remote</a:t>
+            </a:r>
+            <a:r>
+              <a:rPr lang="en-US" dirty="0"/>
+              <a:t> measurement.</a:t>
+            </a:r>
+          </a:p>
+          <a:p>
+            <a:pPr>
+              <a:lnSpc>
+                <a:spcPct val="100000"/>
+              </a:lnSpc>
+            </a:pPr>
+            <a:endParaRPr lang="en-US" dirty="0"/>
+          </a:p>
+          <a:p>
+            <a:pPr>
+              <a:lnSpc>
+                <a:spcPct val="100000"/>
+              </a:lnSpc>
+            </a:pPr>
             <a:endParaRPr lang="en-US" dirty="0"/>
           </a:p>
         </p:txBody>
@@ -12933,7 +14052,7 @@
     </p:spTree>
     <p:extLst>
       <p:ext uri="{BB962C8B-B14F-4D97-AF65-F5344CB8AC3E}">
-        <p14:creationId xmlns:p14="http://schemas.microsoft.com/office/powerpoint/2010/main" val="2588197965"/>
+        <p14:creationId xmlns:p14="http://schemas.microsoft.com/office/powerpoint/2010/main" val="2624956012"/>
       </p:ext>
     </p:extLst>
   </p:cSld>
